--- a/ClassMaterials/JavaIntro/Slides/Part1-InstructorIntro.pptx
+++ b/ClassMaterials/JavaIntro/Slides/Part1-InstructorIntro.pptx
@@ -5,7 +5,7 @@
     <p:sldMasterId id="2147483648" r:id="rId1"/>
   </p:sldMasterIdLst>
   <p:notesMasterIdLst>
-    <p:notesMasterId r:id="rId30"/>
+    <p:notesMasterId r:id="rId32"/>
   </p:notesMasterIdLst>
   <p:sldIdLst>
     <p:sldId id="331" r:id="rId2"/>
@@ -14,28 +14,30 @@
     <p:sldId id="332" r:id="rId5"/>
     <p:sldId id="333" r:id="rId6"/>
     <p:sldId id="342" r:id="rId7"/>
-    <p:sldId id="334" r:id="rId8"/>
-    <p:sldId id="335" r:id="rId9"/>
-    <p:sldId id="336" r:id="rId10"/>
-    <p:sldId id="337" r:id="rId11"/>
-    <p:sldId id="339" r:id="rId12"/>
-    <p:sldId id="340" r:id="rId13"/>
-    <p:sldId id="341" r:id="rId14"/>
-    <p:sldId id="338" r:id="rId15"/>
-    <p:sldId id="302" r:id="rId16"/>
-    <p:sldId id="303" r:id="rId17"/>
-    <p:sldId id="304" r:id="rId18"/>
-    <p:sldId id="305" r:id="rId19"/>
-    <p:sldId id="293" r:id="rId20"/>
-    <p:sldId id="294" r:id="rId21"/>
-    <p:sldId id="321" r:id="rId22"/>
-    <p:sldId id="284" r:id="rId23"/>
-    <p:sldId id="296" r:id="rId24"/>
-    <p:sldId id="297" r:id="rId25"/>
-    <p:sldId id="298" r:id="rId26"/>
-    <p:sldId id="285" r:id="rId27"/>
-    <p:sldId id="286" r:id="rId28"/>
-    <p:sldId id="287" r:id="rId29"/>
+    <p:sldId id="323" r:id="rId8"/>
+    <p:sldId id="334" r:id="rId9"/>
+    <p:sldId id="345" r:id="rId10"/>
+    <p:sldId id="335" r:id="rId11"/>
+    <p:sldId id="336" r:id="rId12"/>
+    <p:sldId id="337" r:id="rId13"/>
+    <p:sldId id="339" r:id="rId14"/>
+    <p:sldId id="340" r:id="rId15"/>
+    <p:sldId id="341" r:id="rId16"/>
+    <p:sldId id="338" r:id="rId17"/>
+    <p:sldId id="302" r:id="rId18"/>
+    <p:sldId id="303" r:id="rId19"/>
+    <p:sldId id="304" r:id="rId20"/>
+    <p:sldId id="305" r:id="rId21"/>
+    <p:sldId id="293" r:id="rId22"/>
+    <p:sldId id="294" r:id="rId23"/>
+    <p:sldId id="321" r:id="rId24"/>
+    <p:sldId id="284" r:id="rId25"/>
+    <p:sldId id="296" r:id="rId26"/>
+    <p:sldId id="297" r:id="rId27"/>
+    <p:sldId id="298" r:id="rId28"/>
+    <p:sldId id="285" r:id="rId29"/>
+    <p:sldId id="286" r:id="rId30"/>
+    <p:sldId id="287" r:id="rId31"/>
   </p:sldIdLst>
   <p:sldSz cx="12192000" cy="6858000"/>
   <p:notesSz cx="6858000" cy="9144000"/>
@@ -869,7 +871,7 @@
           <a:p>
             <a:fld id="{A8CD1F60-86AF-274C-B759-04AFDD96F2D3}" type="datetimeFigureOut">
               <a:rPr lang="en-US" smtClean="0"/>
-              <a:t>11/21/2023</a:t>
+              <a:t>2/26/2024</a:t>
             </a:fld>
             <a:endParaRPr lang="en-US"/>
           </a:p>
@@ -1282,7 +1284,7 @@
     </p:spTree>
     <p:extLst>
       <p:ext uri="{BB962C8B-B14F-4D97-AF65-F5344CB8AC3E}">
-        <p14:creationId xmlns:p14="http://schemas.microsoft.com/office/powerpoint/2010/main" val="2115031717"/>
+        <p14:creationId xmlns:p14="http://schemas.microsoft.com/office/powerpoint/2010/main" val="1651894184"/>
       </p:ext>
     </p:extLst>
   </p:cSld>
@@ -1336,14 +1338,6 @@
           <a:bodyPr/>
           <a:lstStyle/>
           <a:p>
-            <a:r>
-              <a:rPr lang="en-US" dirty="0"/>
-              <a:t>Introduce TA find</a:t>
-            </a:r>
-            <a:r>
-              <a:rPr lang="en-US" baseline="0" dirty="0"/>
-              <a:t> something each student does for rejuvenation…</a:t>
-            </a:r>
             <a:endParaRPr lang="en-US" dirty="0"/>
           </a:p>
         </p:txBody>
@@ -1351,7 +1345,7 @@
     </p:spTree>
     <p:extLst>
       <p:ext uri="{BB962C8B-B14F-4D97-AF65-F5344CB8AC3E}">
-        <p14:creationId xmlns:p14="http://schemas.microsoft.com/office/powerpoint/2010/main" val="1082025156"/>
+        <p14:creationId xmlns:p14="http://schemas.microsoft.com/office/powerpoint/2010/main" val="2115031717"/>
       </p:ext>
     </p:extLst>
   </p:cSld>
@@ -1407,17 +1401,12 @@
           <a:p>
             <a:r>
               <a:rPr lang="en-US" dirty="0"/>
-              <a:t>My reviews are consistent: </a:t>
-            </a:r>
-          </a:p>
-          <a:p>
-            <a:pPr lvl="1"/>
-            <a:r>
-              <a:rPr lang="en-US" dirty="0"/>
-              <a:t>Not around as often as I’d like, but responds very quickly to email.</a:t>
-            </a:r>
-          </a:p>
-          <a:p>
+              <a:t>Introduce TA find</a:t>
+            </a:r>
+            <a:r>
+              <a:rPr lang="en-US" baseline="0" dirty="0"/>
+              <a:t> something each student does for rejuvenation…</a:t>
+            </a:r>
             <a:endParaRPr lang="en-US" dirty="0"/>
           </a:p>
         </p:txBody>
@@ -1425,7 +1414,7 @@
     </p:spTree>
     <p:extLst>
       <p:ext uri="{BB962C8B-B14F-4D97-AF65-F5344CB8AC3E}">
-        <p14:creationId xmlns:p14="http://schemas.microsoft.com/office/powerpoint/2010/main" val="2662112512"/>
+        <p14:creationId xmlns:p14="http://schemas.microsoft.com/office/powerpoint/2010/main" val="1082025156"/>
       </p:ext>
     </p:extLst>
   </p:cSld>
@@ -1481,6 +1470,80 @@
           <a:p>
             <a:r>
               <a:rPr lang="en-US" dirty="0"/>
+              <a:t>My reviews are consistent: </a:t>
+            </a:r>
+          </a:p>
+          <a:p>
+            <a:pPr lvl="1"/>
+            <a:r>
+              <a:rPr lang="en-US" dirty="0"/>
+              <a:t>Not around as often as I’d like, but responds very quickly to email.</a:t>
+            </a:r>
+          </a:p>
+          <a:p>
+            <a:endParaRPr lang="en-US" dirty="0"/>
+          </a:p>
+        </p:txBody>
+      </p:sp>
+    </p:spTree>
+    <p:extLst>
+      <p:ext uri="{BB962C8B-B14F-4D97-AF65-F5344CB8AC3E}">
+        <p14:creationId xmlns:p14="http://schemas.microsoft.com/office/powerpoint/2010/main" val="2662112512"/>
+      </p:ext>
+    </p:extLst>
+  </p:cSld>
+  <p:clrMapOvr>
+    <a:masterClrMapping/>
+  </p:clrMapOvr>
+</p:notes>
+</file>
+
+<file path=ppt/notesSlides/notesSlide14.xml><?xml version="1.0" encoding="utf-8"?>
+<p:notes xmlns:a="http://schemas.openxmlformats.org/drawingml/2006/main" xmlns:r="http://schemas.openxmlformats.org/officeDocument/2006/relationships" xmlns:p="http://schemas.openxmlformats.org/presentationml/2006/main">
+  <p:cSld>
+    <p:spTree>
+      <p:nvGrpSpPr>
+        <p:cNvPr id="1" name=""/>
+        <p:cNvGrpSpPr/>
+        <p:nvPr/>
+      </p:nvGrpSpPr>
+      <p:grpSpPr>
+        <a:xfrm>
+          <a:off x="0" y="0"/>
+          <a:ext cx="0" cy="0"/>
+          <a:chOff x="0" y="0"/>
+          <a:chExt cx="0" cy="0"/>
+        </a:xfrm>
+      </p:grpSpPr>
+      <p:sp>
+        <p:nvSpPr>
+          <p:cNvPr id="2" name="Slide Image Placeholder 1"/>
+          <p:cNvSpPr>
+            <a:spLocks noGrp="1" noRot="1" noChangeAspect="1"/>
+          </p:cNvSpPr>
+          <p:nvPr>
+            <p:ph type="sldImg"/>
+          </p:nvPr>
+        </p:nvSpPr>
+        <p:spPr/>
+      </p:sp>
+      <p:sp>
+        <p:nvSpPr>
+          <p:cNvPr id="3" name="Notes Placeholder 2"/>
+          <p:cNvSpPr>
+            <a:spLocks noGrp="1"/>
+          </p:cNvSpPr>
+          <p:nvPr>
+            <p:ph type="body" idx="1"/>
+          </p:nvPr>
+        </p:nvSpPr>
+        <p:spPr/>
+        <p:txBody>
+          <a:bodyPr/>
+          <a:lstStyle/>
+          <a:p>
+            <a:r>
+              <a:rPr lang="en-US" dirty="0"/>
               <a:t>Why am</a:t>
             </a:r>
             <a:r>
@@ -1574,7 +1637,7 @@
 </p:notes>
 </file>
 
-<file path=ppt/notesSlides/notesSlide14.xml><?xml version="1.0" encoding="utf-8"?>
+<file path=ppt/notesSlides/notesSlide15.xml><?xml version="1.0" encoding="utf-8"?>
 <p:notes xmlns:a="http://schemas.openxmlformats.org/drawingml/2006/main" xmlns:r="http://schemas.openxmlformats.org/officeDocument/2006/relationships" xmlns:p="http://schemas.openxmlformats.org/presentationml/2006/main">
   <p:cSld>
     <p:spTree>
@@ -1969,7 +2032,13 @@
   <p:cSld>
     <p:spTree>
       <p:nvGrpSpPr>
-        <p:cNvPr id="1" name=""/>
+        <p:cNvPr id="1" name="">
+          <a:extLst>
+            <a:ext uri="{FF2B5EF4-FFF2-40B4-BE49-F238E27FC236}">
+              <a16:creationId xmlns:a16="http://schemas.microsoft.com/office/drawing/2014/main" id="{4C38A375-ECE5-F27A-D186-2BD319EF1F2D}"/>
+            </a:ext>
+          </a:extLst>
+        </p:cNvPr>
         <p:cNvGrpSpPr/>
         <p:nvPr/>
       </p:nvGrpSpPr>
@@ -1983,7 +2052,13 @@
       </p:grpSpPr>
       <p:sp>
         <p:nvSpPr>
-          <p:cNvPr id="2" name="Slide Image Placeholder 1"/>
+          <p:cNvPr id="2" name="Slide Image Placeholder 1">
+            <a:extLst>
+              <a:ext uri="{FF2B5EF4-FFF2-40B4-BE49-F238E27FC236}">
+                <a16:creationId xmlns:a16="http://schemas.microsoft.com/office/drawing/2014/main" id="{906EFFF7-ACD3-827A-3EFD-F79CF22CE165}"/>
+              </a:ext>
+            </a:extLst>
+          </p:cNvPr>
           <p:cNvSpPr>
             <a:spLocks noGrp="1" noRot="1" noChangeAspect="1"/>
           </p:cNvSpPr>
@@ -1995,7 +2070,13 @@
       </p:sp>
       <p:sp>
         <p:nvSpPr>
-          <p:cNvPr id="3" name="Notes Placeholder 2"/>
+          <p:cNvPr id="3" name="Notes Placeholder 2">
+            <a:extLst>
+              <a:ext uri="{FF2B5EF4-FFF2-40B4-BE49-F238E27FC236}">
+                <a16:creationId xmlns:a16="http://schemas.microsoft.com/office/drawing/2014/main" id="{4D2648B0-84A9-EE81-8D15-4565BF0FA99B}"/>
+              </a:ext>
+            </a:extLst>
+          </p:cNvPr>
           <p:cNvSpPr>
             <a:spLocks noGrp="1"/>
           </p:cNvSpPr>
@@ -2015,7 +2096,7 @@
     </p:spTree>
     <p:extLst>
       <p:ext uri="{BB962C8B-B14F-4D97-AF65-F5344CB8AC3E}">
-        <p14:creationId xmlns:p14="http://schemas.microsoft.com/office/powerpoint/2010/main" val="895517178"/>
+        <p14:creationId xmlns:p14="http://schemas.microsoft.com/office/powerpoint/2010/main" val="3722768014"/>
       </p:ext>
     </p:extLst>
   </p:cSld>
@@ -2076,7 +2157,7 @@
     </p:spTree>
     <p:extLst>
       <p:ext uri="{BB962C8B-B14F-4D97-AF65-F5344CB8AC3E}">
-        <p14:creationId xmlns:p14="http://schemas.microsoft.com/office/powerpoint/2010/main" val="939788822"/>
+        <p14:creationId xmlns:p14="http://schemas.microsoft.com/office/powerpoint/2010/main" val="895517178"/>
       </p:ext>
     </p:extLst>
   </p:cSld>
@@ -2137,7 +2218,7 @@
     </p:spTree>
     <p:extLst>
       <p:ext uri="{BB962C8B-B14F-4D97-AF65-F5344CB8AC3E}">
-        <p14:creationId xmlns:p14="http://schemas.microsoft.com/office/powerpoint/2010/main" val="456082107"/>
+        <p14:creationId xmlns:p14="http://schemas.microsoft.com/office/powerpoint/2010/main" val="939788822"/>
       </p:ext>
     </p:extLst>
   </p:cSld>
@@ -2198,7 +2279,7 @@
     </p:spTree>
     <p:extLst>
       <p:ext uri="{BB962C8B-B14F-4D97-AF65-F5344CB8AC3E}">
-        <p14:creationId xmlns:p14="http://schemas.microsoft.com/office/powerpoint/2010/main" val="2953583462"/>
+        <p14:creationId xmlns:p14="http://schemas.microsoft.com/office/powerpoint/2010/main" val="456082107"/>
       </p:ext>
     </p:extLst>
   </p:cSld>
@@ -2259,7 +2340,7 @@
     </p:spTree>
     <p:extLst>
       <p:ext uri="{BB962C8B-B14F-4D97-AF65-F5344CB8AC3E}">
-        <p14:creationId xmlns:p14="http://schemas.microsoft.com/office/powerpoint/2010/main" val="1651894184"/>
+        <p14:creationId xmlns:p14="http://schemas.microsoft.com/office/powerpoint/2010/main" val="2953583462"/>
       </p:ext>
     </p:extLst>
   </p:cSld>
@@ -2416,7 +2497,7 @@
           <a:p>
             <a:fld id="{1558ECB0-78E8-2947-93F5-766FFF283DA8}" type="datetimeFigureOut">
               <a:rPr lang="en-US" smtClean="0"/>
-              <a:t>11/21/2023</a:t>
+              <a:t>2/26/2024</a:t>
             </a:fld>
             <a:endParaRPr lang="en-US"/>
           </a:p>
@@ -2614,7 +2695,7 @@
           <a:p>
             <a:fld id="{1558ECB0-78E8-2947-93F5-766FFF283DA8}" type="datetimeFigureOut">
               <a:rPr lang="en-US" smtClean="0"/>
-              <a:t>11/21/2023</a:t>
+              <a:t>2/26/2024</a:t>
             </a:fld>
             <a:endParaRPr lang="en-US"/>
           </a:p>
@@ -2822,7 +2903,7 @@
           <a:p>
             <a:fld id="{1558ECB0-78E8-2947-93F5-766FFF283DA8}" type="datetimeFigureOut">
               <a:rPr lang="en-US" smtClean="0"/>
-              <a:t>11/21/2023</a:t>
+              <a:t>2/26/2024</a:t>
             </a:fld>
             <a:endParaRPr lang="en-US"/>
           </a:p>
@@ -3020,7 +3101,7 @@
           <a:p>
             <a:fld id="{1558ECB0-78E8-2947-93F5-766FFF283DA8}" type="datetimeFigureOut">
               <a:rPr lang="en-US" smtClean="0"/>
-              <a:t>11/21/2023</a:t>
+              <a:t>2/26/2024</a:t>
             </a:fld>
             <a:endParaRPr lang="en-US"/>
           </a:p>
@@ -3295,7 +3376,7 @@
           <a:p>
             <a:fld id="{1558ECB0-78E8-2947-93F5-766FFF283DA8}" type="datetimeFigureOut">
               <a:rPr lang="en-US" smtClean="0"/>
-              <a:t>11/21/2023</a:t>
+              <a:t>2/26/2024</a:t>
             </a:fld>
             <a:endParaRPr lang="en-US"/>
           </a:p>
@@ -3560,7 +3641,7 @@
           <a:p>
             <a:fld id="{1558ECB0-78E8-2947-93F5-766FFF283DA8}" type="datetimeFigureOut">
               <a:rPr lang="en-US" smtClean="0"/>
-              <a:t>11/21/2023</a:t>
+              <a:t>2/26/2024</a:t>
             </a:fld>
             <a:endParaRPr lang="en-US"/>
           </a:p>
@@ -3972,7 +4053,7 @@
           <a:p>
             <a:fld id="{1558ECB0-78E8-2947-93F5-766FFF283DA8}" type="datetimeFigureOut">
               <a:rPr lang="en-US" smtClean="0"/>
-              <a:t>11/21/2023</a:t>
+              <a:t>2/26/2024</a:t>
             </a:fld>
             <a:endParaRPr lang="en-US"/>
           </a:p>
@@ -4113,7 +4194,7 @@
           <a:p>
             <a:fld id="{1558ECB0-78E8-2947-93F5-766FFF283DA8}" type="datetimeFigureOut">
               <a:rPr lang="en-US" smtClean="0"/>
-              <a:t>11/21/2023</a:t>
+              <a:t>2/26/2024</a:t>
             </a:fld>
             <a:endParaRPr lang="en-US"/>
           </a:p>
@@ -4226,7 +4307,7 @@
           <a:p>
             <a:fld id="{1558ECB0-78E8-2947-93F5-766FFF283DA8}" type="datetimeFigureOut">
               <a:rPr lang="en-US" smtClean="0"/>
-              <a:t>11/21/2023</a:t>
+              <a:t>2/26/2024</a:t>
             </a:fld>
             <a:endParaRPr lang="en-US"/>
           </a:p>
@@ -4537,7 +4618,7 @@
           <a:p>
             <a:fld id="{1558ECB0-78E8-2947-93F5-766FFF283DA8}" type="datetimeFigureOut">
               <a:rPr lang="en-US" smtClean="0"/>
-              <a:t>11/21/2023</a:t>
+              <a:t>2/26/2024</a:t>
             </a:fld>
             <a:endParaRPr lang="en-US"/>
           </a:p>
@@ -4825,7 +4906,7 @@
           <a:p>
             <a:fld id="{1558ECB0-78E8-2947-93F5-766FFF283DA8}" type="datetimeFigureOut">
               <a:rPr lang="en-US" smtClean="0"/>
-              <a:t>11/21/2023</a:t>
+              <a:t>2/26/2024</a:t>
             </a:fld>
             <a:endParaRPr lang="en-US"/>
           </a:p>
@@ -5066,7 +5147,7 @@
           <a:p>
             <a:fld id="{1558ECB0-78E8-2947-93F5-766FFF283DA8}" type="datetimeFigureOut">
               <a:rPr lang="en-US" smtClean="0"/>
-              <a:t>11/21/2023</a:t>
+              <a:t>2/26/2024</a:t>
             </a:fld>
             <a:endParaRPr lang="en-US"/>
           </a:p>
@@ -5748,7 +5829,7 @@
           <a:p>
             <a:r>
               <a:rPr lang="en-US" b="1" dirty="0"/>
-              <a:t>Intro</a:t>
+              <a:t>intro</a:t>
             </a:r>
           </a:p>
           <a:p>
@@ -6372,8 +6453,8 @@
         </p:nvSpPr>
         <p:spPr>
           <a:xfrm>
-            <a:off x="1524000" y="1295400"/>
-            <a:ext cx="9067800" cy="5470524"/>
+            <a:off x="2133600" y="1771650"/>
+            <a:ext cx="8229600" cy="4114800"/>
           </a:xfrm>
         </p:spPr>
         <p:txBody>
@@ -6384,85 +6465,64 @@
           <a:p>
             <a:r>
               <a:rPr lang="en-US" dirty="0"/>
-              <a:t>More about me</a:t>
+              <a:t>Jason Yoder</a:t>
             </a:r>
           </a:p>
           <a:p>
             <a:pPr lvl="1"/>
             <a:r>
               <a:rPr lang="en-US" dirty="0"/>
-              <a:t>I live in Bloomington Fri-Sun</a:t>
+              <a:t>Feel free to call me:</a:t>
+            </a:r>
+          </a:p>
+          <a:p>
+            <a:pPr lvl="2"/>
+            <a:r>
+              <a:rPr lang="en-US" dirty="0"/>
+              <a:t>Dr. Yoder</a:t>
+            </a:r>
+          </a:p>
+          <a:p>
+            <a:pPr lvl="2"/>
+            <a:r>
+              <a:rPr lang="en-US" dirty="0"/>
+              <a:t>Jason (if you prefer first name)</a:t>
             </a:r>
           </a:p>
           <a:p>
             <a:pPr lvl="1"/>
             <a:r>
               <a:rPr lang="en-US" dirty="0"/>
-              <a:t>I like to </a:t>
-            </a:r>
-            <a:r>
-              <a:rPr lang="en-US" b="1" dirty="0"/>
-              <a:t>“work hard and play hard”</a:t>
+              <a:t>Degree from Indiana University: </a:t>
+            </a:r>
+          </a:p>
+          <a:p>
+            <a:pPr lvl="2"/>
+            <a:r>
+              <a:rPr lang="en-US" dirty="0"/>
+              <a:t>Computer Science, Cognitive Science</a:t>
             </a:r>
           </a:p>
           <a:p>
             <a:pPr lvl="1"/>
             <a:r>
               <a:rPr lang="en-US" dirty="0"/>
-              <a:t>I am rejuvenated by sports/physical challenges:</a:t>
-            </a:r>
-          </a:p>
-          <a:p>
-            <a:pPr lvl="2"/>
-            <a:r>
-              <a:rPr lang="en-US" dirty="0"/>
-              <a:t>Ultimate Frisbee, rock climbing, hockey,+</a:t>
+              <a:t>Only on campus Mon, Tue, Thu (normally)</a:t>
             </a:r>
           </a:p>
           <a:p>
             <a:pPr lvl="1"/>
             <a:r>
               <a:rPr lang="en-US" dirty="0"/>
-              <a:t>I think its important to have a hobby or activity that helps keep you “sane” </a:t>
-            </a:r>
-            <a:r>
-              <a:rPr lang="en-US" dirty="0">
-                <a:sym typeface="Wingdings" panose="05000000000000000000" pitchFamily="2" charset="2"/>
-              </a:rPr>
-              <a:t></a:t>
-            </a:r>
-            <a:endParaRPr lang="en-US" dirty="0"/>
-          </a:p>
-          <a:p>
-            <a:pPr lvl="1"/>
-            <a:r>
-              <a:rPr lang="en-US" dirty="0"/>
-              <a:t>Interested in working with students on research</a:t>
-            </a:r>
-          </a:p>
-          <a:p>
-            <a:pPr lvl="2"/>
-            <a:r>
-              <a:rPr lang="en-US" dirty="0"/>
-              <a:t>Feel free to stop by or email if you have interest in research</a:t>
-            </a:r>
-          </a:p>
-          <a:p>
-            <a:pPr lvl="2"/>
-            <a:r>
-              <a:rPr lang="en-US" dirty="0"/>
-              <a:t>I developed a project for this course in place of the Arcade Game Project to give students an early opportunity to develop some research skills</a:t>
-            </a:r>
-          </a:p>
-          <a:p>
-            <a:endParaRPr lang="en-US" dirty="0"/>
+              <a:t>Piazza/Email/Teams anytime!</a:t>
+            </a:r>
           </a:p>
         </p:txBody>
       </p:sp>
     </p:spTree>
     <p:extLst>
       <p:ext uri="{BB962C8B-B14F-4D97-AF65-F5344CB8AC3E}">
-        <p14:creationId xmlns:p14="http://schemas.microsoft.com/office/powerpoint/2010/main" val="2647588529"/>
+        <p14:creationId xmlns:p14="http://schemas.microsoft.com/office/powerpoint/2010/main" val="2804563072"/>
       </p:ext>
     </p:extLst>
   </p:cSld>
@@ -6523,8 +6583,8 @@
         </p:nvSpPr>
         <p:spPr>
           <a:xfrm>
-            <a:off x="1485900" y="1538736"/>
-            <a:ext cx="9220200" cy="4721225"/>
+            <a:off x="1981200" y="1771650"/>
+            <a:ext cx="8229600" cy="4095750"/>
           </a:xfrm>
         </p:spPr>
         <p:txBody>
@@ -6533,109 +6593,82 @@
           </a:bodyPr>
           <a:lstStyle/>
           <a:p>
-            <a:pPr marL="0" indent="0">
-              <a:buNone/>
-            </a:pPr>
-            <a:r>
-              <a:rPr lang="en-US" dirty="0"/>
-              <a:t>Ian Ludden</a:t>
-            </a:r>
-          </a:p>
-          <a:p>
-            <a:r>
-              <a:rPr lang="en-US" dirty="0"/>
-              <a:t>Feel free to call me:</a:t>
+            <a:endParaRPr lang="en-US" dirty="0"/>
+          </a:p>
+          <a:p>
+            <a:r>
+              <a:rPr lang="en-US" dirty="0"/>
+              <a:t>Meetings with me 1 on 1</a:t>
             </a:r>
           </a:p>
           <a:p>
             <a:pPr lvl="1"/>
             <a:r>
-              <a:rPr lang="en-US" dirty="0"/>
-              <a:t>Ian, Professor Ludden, or Professor Ian</a:t>
+              <a:rPr lang="en-US" b="1" dirty="0" err="1"/>
+              <a:t>Calendly</a:t>
+            </a:r>
+            <a:r>
+              <a:rPr lang="en-US" dirty="0"/>
+              <a:t>: a service to schedule </a:t>
             </a:r>
           </a:p>
           <a:p>
             <a:pPr lvl="1"/>
             <a:r>
               <a:rPr lang="en-US" dirty="0"/>
-              <a:t>If you call me just “professor”, I may call you just “student” </a:t>
-            </a:r>
-            <a:r>
-              <a:rPr lang="en-US" dirty="0">
-                <a:sym typeface="Wingdings" panose="05000000000000000000" pitchFamily="2" charset="2"/>
-              </a:rPr>
-              <a:t></a:t>
-            </a:r>
-            <a:endParaRPr lang="en-US" dirty="0"/>
-          </a:p>
-          <a:p>
-            <a:r>
-              <a:rPr lang="en-US" dirty="0"/>
-              <a:t>B.S. in CPE/MA from Rose-Hulman, Fall 2016</a:t>
-            </a:r>
-          </a:p>
-          <a:p>
-            <a:r>
-              <a:rPr lang="en-US" dirty="0"/>
-              <a:t>Ph.D. in CS from the University of Illinois Urbana-Champaign</a:t>
-            </a:r>
-          </a:p>
-          <a:p>
-            <a:r>
-              <a:rPr lang="en-US" dirty="0"/>
-              <a:t>Originally from Tampa, Florida (the Midwest is better)</a:t>
-            </a:r>
-          </a:p>
-          <a:p>
-            <a:r>
-              <a:rPr lang="en-US" dirty="0"/>
-              <a:t>Industry experience: </a:t>
-            </a:r>
-            <a:r>
-              <a:rPr lang="en-US" dirty="0" err="1"/>
-              <a:t>FitzMark</a:t>
-            </a:r>
-            <a:r>
-              <a:rPr lang="en-US" dirty="0"/>
-              <a:t> (Indy), Garmin (KC), </a:t>
-            </a:r>
-            <a:br>
-              <a:rPr lang="en-US" dirty="0"/>
-            </a:br>
-            <a:r>
-              <a:rPr lang="en-US" dirty="0"/>
-              <a:t>LGS (Tampa), </a:t>
-            </a:r>
-            <a:r>
-              <a:rPr lang="en-US" dirty="0" err="1"/>
-              <a:t>PilotFish</a:t>
-            </a:r>
-            <a:r>
-              <a:rPr lang="en-US" dirty="0"/>
-              <a:t> (Tampa)</a:t>
+              <a:t>appointments (in my email signature)</a:t>
             </a:r>
           </a:p>
           <a:p>
             <a:pPr lvl="1"/>
             <a:r>
               <a:rPr lang="en-US" dirty="0"/>
-              <a:t>Wrote lots of Java code at </a:t>
-            </a:r>
-            <a:r>
-              <a:rPr lang="en-US" dirty="0" err="1"/>
-              <a:t>PilotFish</a:t>
-            </a:r>
-            <a:r>
-              <a:rPr lang="en-US" dirty="0"/>
-              <a:t>! </a:t>
-            </a:r>
-          </a:p>
-        </p:txBody>
-      </p:sp>
+              <a:t>Helps me plan my time effectively</a:t>
+            </a:r>
+          </a:p>
+          <a:p>
+            <a:pPr lvl="1"/>
+            <a:r>
+              <a:rPr lang="en-US" dirty="0"/>
+              <a:t>Email me if you can’t find a time and we can discuss options:</a:t>
+            </a:r>
+          </a:p>
+          <a:p>
+            <a:pPr lvl="2"/>
+            <a:r>
+              <a:rPr lang="en-US" dirty="0"/>
+              <a:t>Wednesdays/Fridays: Teams</a:t>
+            </a:r>
+          </a:p>
+        </p:txBody>
+      </p:sp>
+      <p:pic>
+        <p:nvPicPr>
+          <p:cNvPr id="4" name="Picture 3"/>
+          <p:cNvPicPr>
+            <a:picLocks noChangeAspect="1"/>
+          </p:cNvPicPr>
+          <p:nvPr/>
+        </p:nvPicPr>
+        <p:blipFill rotWithShape="1">
+          <a:blip r:embed="rId3"/>
+          <a:srcRect r="67347"/>
+          <a:stretch/>
+        </p:blipFill>
+        <p:spPr>
+          <a:xfrm>
+            <a:off x="8153400" y="914401"/>
+            <a:ext cx="2114550" cy="2631173"/>
+          </a:xfrm>
+          <a:prstGeom prst="rect">
+            <a:avLst/>
+          </a:prstGeom>
+        </p:spPr>
+      </p:pic>
     </p:spTree>
     <p:extLst>
       <p:ext uri="{BB962C8B-B14F-4D97-AF65-F5344CB8AC3E}">
-        <p14:creationId xmlns:p14="http://schemas.microsoft.com/office/powerpoint/2010/main" val="302694256"/>
+        <p14:creationId xmlns:p14="http://schemas.microsoft.com/office/powerpoint/2010/main" val="2685179240"/>
       </p:ext>
     </p:extLst>
   </p:cSld>
@@ -6696,8 +6729,8 @@
         </p:nvSpPr>
         <p:spPr>
           <a:xfrm>
-            <a:off x="838199" y="1379621"/>
-            <a:ext cx="10295021" cy="4764505"/>
+            <a:off x="1524000" y="1295400"/>
+            <a:ext cx="9067800" cy="5470524"/>
           </a:xfrm>
         </p:spPr>
         <p:txBody>
@@ -6707,74 +6740,86 @@
           <a:lstStyle/>
           <a:p>
             <a:r>
-              <a:rPr lang="en-US" sz="3200" dirty="0"/>
-              <a:t>General questions (HW, course logistics): </a:t>
+              <a:rPr lang="en-US" dirty="0"/>
+              <a:t>More about me</a:t>
             </a:r>
           </a:p>
           <a:p>
             <a:pPr lvl="1"/>
             <a:r>
-              <a:rPr lang="en-US" sz="2800" dirty="0"/>
-              <a:t>Please use Piazza</a:t>
+              <a:rPr lang="en-US" dirty="0"/>
+              <a:t>I live in Bloomington Fri-Sun</a:t>
             </a:r>
           </a:p>
           <a:p>
             <a:pPr lvl="1"/>
             <a:r>
-              <a:rPr lang="en-US" sz="2800" dirty="0"/>
-              <a:t>TAs or other students may be able to respond faster</a:t>
-            </a:r>
-          </a:p>
-          <a:p>
-            <a:endParaRPr lang="en-US" sz="3200" dirty="0"/>
-          </a:p>
-          <a:p>
-            <a:r>
-              <a:rPr lang="en-US" sz="3200" dirty="0"/>
-              <a:t>Personal questions: </a:t>
+              <a:rPr lang="en-US" dirty="0"/>
+              <a:t>I like to </a:t>
+            </a:r>
+            <a:r>
+              <a:rPr lang="en-US" b="1" dirty="0"/>
+              <a:t>“work hard and play hard”</a:t>
             </a:r>
           </a:p>
           <a:p>
             <a:pPr lvl="1"/>
             <a:r>
-              <a:rPr lang="en-US" sz="2800" dirty="0"/>
-              <a:t>Email</a:t>
+              <a:rPr lang="en-US" dirty="0"/>
+              <a:t>I am rejuvenated by sports/physical challenges:</a:t>
+            </a:r>
+          </a:p>
+          <a:p>
+            <a:pPr lvl="2"/>
+            <a:r>
+              <a:rPr lang="en-US" dirty="0"/>
+              <a:t>Ultimate Frisbee, rock climbing, hockey,+</a:t>
             </a:r>
           </a:p>
           <a:p>
             <a:pPr lvl="1"/>
             <a:r>
-              <a:rPr lang="en-US" sz="2800" dirty="0"/>
-              <a:t>Office hours</a:t>
-            </a:r>
+              <a:rPr lang="en-US" dirty="0"/>
+              <a:t>I think its important to have a hobby or activity that helps keep you “sane” </a:t>
+            </a:r>
+            <a:r>
+              <a:rPr lang="en-US" dirty="0">
+                <a:sym typeface="Wingdings" panose="05000000000000000000" pitchFamily="2" charset="2"/>
+              </a:rPr>
+              <a:t></a:t>
+            </a:r>
+            <a:endParaRPr lang="en-US" dirty="0"/>
           </a:p>
           <a:p>
             <a:pPr lvl="1"/>
             <a:r>
-              <a:rPr lang="en-US" sz="2800" dirty="0"/>
-              <a:t>1-1 meeting, scheduled via link in email signature</a:t>
+              <a:rPr lang="en-US" dirty="0"/>
+              <a:t>Interested in working with students on research</a:t>
             </a:r>
           </a:p>
           <a:p>
             <a:pPr lvl="2"/>
             <a:r>
-              <a:rPr lang="en-US" sz="2400" dirty="0"/>
-              <a:t>Helps me plan my time effectively</a:t>
+              <a:rPr lang="en-US" dirty="0"/>
+              <a:t>Feel free to stop by or email if you have interest in research</a:t>
             </a:r>
           </a:p>
           <a:p>
             <a:pPr lvl="2"/>
             <a:r>
-              <a:rPr lang="en-US" sz="2400" dirty="0"/>
-              <a:t>Email me if you can’t find a time</a:t>
-            </a:r>
+              <a:rPr lang="en-US" dirty="0"/>
+              <a:t>I developed a project for this course in place of the Arcade Game Project to give students an early opportunity to develop some research skills</a:t>
+            </a:r>
+          </a:p>
+          <a:p>
+            <a:endParaRPr lang="en-US" dirty="0"/>
           </a:p>
         </p:txBody>
       </p:sp>
     </p:spTree>
     <p:extLst>
       <p:ext uri="{BB962C8B-B14F-4D97-AF65-F5344CB8AC3E}">
-        <p14:creationId xmlns:p14="http://schemas.microsoft.com/office/powerpoint/2010/main" val="1848748188"/>
+        <p14:creationId xmlns:p14="http://schemas.microsoft.com/office/powerpoint/2010/main" val="2647588529"/>
       </p:ext>
     </p:extLst>
   </p:cSld>
@@ -6835,8 +6880,8 @@
         </p:nvSpPr>
         <p:spPr>
           <a:xfrm>
-            <a:off x="962890" y="1295400"/>
-            <a:ext cx="10515600" cy="5470524"/>
+            <a:off x="1485900" y="1538736"/>
+            <a:ext cx="9220200" cy="4721225"/>
           </a:xfrm>
         </p:spPr>
         <p:txBody>
@@ -6845,76 +6890,109 @@
           </a:bodyPr>
           <a:lstStyle/>
           <a:p>
-            <a:r>
-              <a:rPr lang="en-US" sz="3200" dirty="0"/>
-              <a:t>More about me</a:t>
-            </a:r>
-          </a:p>
-          <a:p>
-            <a:r>
-              <a:rPr lang="en-US" sz="3200" dirty="0"/>
-              <a:t>When I was a student here: </a:t>
+            <a:pPr marL="0" indent="0">
+              <a:buNone/>
+            </a:pPr>
+            <a:r>
+              <a:rPr lang="en-US" dirty="0"/>
+              <a:t>Ian Ludden</a:t>
+            </a:r>
+          </a:p>
+          <a:p>
+            <a:r>
+              <a:rPr lang="en-US" dirty="0"/>
+              <a:t>Feel free to call me:</a:t>
             </a:r>
           </a:p>
           <a:p>
             <a:pPr lvl="1"/>
             <a:r>
-              <a:rPr lang="en-US" sz="2800" dirty="0"/>
-              <a:t>Cross Country, Engineers Without Borders, symphony orchestra, musicals, improv club, St. Joseph’s University Ministry</a:t>
+              <a:rPr lang="en-US" dirty="0"/>
+              <a:t>Ian, Professor Ludden, or Professor Ian</a:t>
             </a:r>
           </a:p>
           <a:p>
             <a:pPr lvl="1"/>
             <a:r>
-              <a:rPr lang="en-US" sz="2800" dirty="0"/>
-              <a:t>Friends &amp; activities helped me make it through Rose</a:t>
-            </a:r>
-          </a:p>
-          <a:p>
-            <a:pPr lvl="2"/>
-            <a:r>
-              <a:rPr lang="en-US" sz="2400" dirty="0"/>
-              <a:t>Find your people! </a:t>
+              <a:rPr lang="en-US" dirty="0"/>
+              <a:t>If you call me just “professor”, I may call you just “student” </a:t>
+            </a:r>
+            <a:r>
+              <a:rPr lang="en-US" dirty="0">
+                <a:sym typeface="Wingdings" panose="05000000000000000000" pitchFamily="2" charset="2"/>
+              </a:rPr>
+              <a:t></a:t>
+            </a:r>
+            <a:endParaRPr lang="en-US" dirty="0"/>
+          </a:p>
+          <a:p>
+            <a:r>
+              <a:rPr lang="en-US" dirty="0"/>
+              <a:t>B.S. in CPE/MA from Rose-Hulman, Fall 2016</a:t>
+            </a:r>
+          </a:p>
+          <a:p>
+            <a:r>
+              <a:rPr lang="en-US" dirty="0"/>
+              <a:t>Ph.D. in CS from the University of Illinois Urbana-Champaign</a:t>
+            </a:r>
+          </a:p>
+          <a:p>
+            <a:r>
+              <a:rPr lang="en-US" dirty="0"/>
+              <a:t>Originally from Tampa, Florida (the Midwest is better)</a:t>
+            </a:r>
+          </a:p>
+          <a:p>
+            <a:r>
+              <a:rPr lang="en-US" dirty="0"/>
+              <a:t>Industry experience: </a:t>
+            </a:r>
+            <a:r>
+              <a:rPr lang="en-US" dirty="0" err="1"/>
+              <a:t>FitzMark</a:t>
+            </a:r>
+            <a:r>
+              <a:rPr lang="en-US" dirty="0"/>
+              <a:t> (Indy), Garmin (KC), </a:t>
+            </a:r>
+            <a:br>
+              <a:rPr lang="en-US" dirty="0"/>
+            </a:br>
+            <a:r>
+              <a:rPr lang="en-US" dirty="0"/>
+              <a:t>LGS (Tampa), </a:t>
+            </a:r>
+            <a:r>
+              <a:rPr lang="en-US" dirty="0" err="1"/>
+              <a:t>PilotFish</a:t>
+            </a:r>
+            <a:r>
+              <a:rPr lang="en-US" dirty="0"/>
+              <a:t> (Tampa)</a:t>
             </a:r>
           </a:p>
           <a:p>
             <a:pPr lvl="1"/>
-            <a:endParaRPr lang="en-US" sz="2800" dirty="0"/>
-          </a:p>
-          <a:p>
-            <a:r>
-              <a:rPr lang="en-US" sz="3200" dirty="0"/>
-              <a:t>Interested in working with students on research</a:t>
-            </a:r>
-          </a:p>
-          <a:p>
-            <a:pPr lvl="1"/>
-            <a:r>
-              <a:rPr lang="en-US" sz="2800" dirty="0"/>
-              <a:t>Feel free to schedule appt. or email if you have interest in research</a:t>
-            </a:r>
-          </a:p>
-          <a:p>
-            <a:pPr lvl="1"/>
-            <a:r>
-              <a:rPr lang="en-US" sz="2800" dirty="0"/>
-              <a:t>Graph theory, algorithmic game theory, operations research</a:t>
-            </a:r>
-          </a:p>
-          <a:p>
-            <a:pPr lvl="1"/>
-            <a:r>
-              <a:rPr lang="en-US" sz="2800" dirty="0"/>
-              <a:t>Most projects require CSSE 473, but we can talk before then</a:t>
-            </a:r>
-            <a:endParaRPr lang="en-US" dirty="0"/>
+            <a:r>
+              <a:rPr lang="en-US" dirty="0"/>
+              <a:t>Wrote lots of Java code at </a:t>
+            </a:r>
+            <a:r>
+              <a:rPr lang="en-US" dirty="0" err="1"/>
+              <a:t>PilotFish</a:t>
+            </a:r>
+            <a:r>
+              <a:rPr lang="en-US" dirty="0"/>
+              <a:t>! </a:t>
+            </a:r>
           </a:p>
         </p:txBody>
       </p:sp>
     </p:spTree>
     <p:extLst>
       <p:ext uri="{BB962C8B-B14F-4D97-AF65-F5344CB8AC3E}">
-        <p14:creationId xmlns:p14="http://schemas.microsoft.com/office/powerpoint/2010/main" val="1055126336"/>
+        <p14:creationId xmlns:p14="http://schemas.microsoft.com/office/powerpoint/2010/main" val="302694256"/>
       </p:ext>
     </p:extLst>
   </p:cSld>
@@ -6925,7 +7003,7 @@
 </file>
 
 <file path=ppt/slides/slide14.xml><?xml version="1.0" encoding="utf-8"?>
-<p:sld xmlns:a="http://schemas.openxmlformats.org/drawingml/2006/main" xmlns:r="http://schemas.openxmlformats.org/officeDocument/2006/relationships" xmlns:p="http://schemas.openxmlformats.org/presentationml/2006/main">
+<p:sld xmlns:a="http://schemas.openxmlformats.org/drawingml/2006/main" xmlns:r="http://schemas.openxmlformats.org/officeDocument/2006/relationships" xmlns:p="http://schemas.openxmlformats.org/presentationml/2006/main" show="0">
   <p:cSld>
     <p:spTree>
       <p:nvGrpSpPr>
@@ -6958,7 +7036,7 @@
           <a:p>
             <a:r>
               <a:rPr lang="en-US" dirty="0"/>
-              <a:t>Introductions</a:t>
+              <a:t>Instructor Info</a:t>
             </a:r>
           </a:p>
         </p:txBody>
@@ -6975,8 +7053,8 @@
         </p:nvSpPr>
         <p:spPr>
           <a:xfrm>
-            <a:off x="1634971" y="1675152"/>
-            <a:ext cx="8229600" cy="2819400"/>
+            <a:off x="838199" y="1379621"/>
+            <a:ext cx="10295021" cy="4764505"/>
           </a:xfrm>
         </p:spPr>
         <p:txBody>
@@ -6986,38 +7064,66 @@
           <a:lstStyle/>
           <a:p>
             <a:r>
-              <a:rPr lang="en-US" sz="3600" dirty="0"/>
-              <a:t>TA</a:t>
-            </a:r>
-          </a:p>
-          <a:p>
-            <a:r>
-              <a:rPr lang="en-US" sz="3600" dirty="0"/>
-              <a:t>Students (briefly! </a:t>
-            </a:r>
-            <a:r>
-              <a:rPr lang="en-US" sz="3600" dirty="0">
-                <a:sym typeface="Wingdings" panose="05000000000000000000" pitchFamily="2" charset="2"/>
-              </a:rPr>
-              <a:t> it’s a big class</a:t>
-            </a:r>
-            <a:r>
-              <a:rPr lang="en-US" sz="3600" dirty="0"/>
-              <a:t>)</a:t>
+              <a:rPr lang="en-US" sz="3200" dirty="0"/>
+              <a:t>General questions (HW, course logistics): </a:t>
             </a:r>
           </a:p>
           <a:p>
             <a:pPr lvl="1"/>
             <a:r>
+              <a:rPr lang="en-US" sz="2800" dirty="0"/>
+              <a:t>Please use Piazza</a:t>
+            </a:r>
+          </a:p>
+          <a:p>
+            <a:pPr lvl="1"/>
+            <a:r>
+              <a:rPr lang="en-US" sz="2800" dirty="0"/>
+              <a:t>TAs or other students may be able to respond faster</a:t>
+            </a:r>
+          </a:p>
+          <a:p>
+            <a:endParaRPr lang="en-US" sz="3200" dirty="0"/>
+          </a:p>
+          <a:p>
+            <a:r>
               <a:rPr lang="en-US" sz="3200" dirty="0"/>
-              <a:t>What should we call you?</a:t>
+              <a:t>Personal questions: </a:t>
             </a:r>
           </a:p>
           <a:p>
             <a:pPr lvl="1"/>
             <a:r>
-              <a:rPr lang="en-US" sz="3200" dirty="0"/>
-              <a:t>What you do for fun/rejuvenation?</a:t>
+              <a:rPr lang="en-US" sz="2800" dirty="0"/>
+              <a:t>Email</a:t>
+            </a:r>
+          </a:p>
+          <a:p>
+            <a:pPr lvl="1"/>
+            <a:r>
+              <a:rPr lang="en-US" sz="2800" dirty="0"/>
+              <a:t>Office hours</a:t>
+            </a:r>
+          </a:p>
+          <a:p>
+            <a:pPr lvl="1"/>
+            <a:r>
+              <a:rPr lang="en-US" sz="2800" dirty="0"/>
+              <a:t>1-1 meeting, scheduled via link in email signature</a:t>
+            </a:r>
+          </a:p>
+          <a:p>
+            <a:pPr lvl="2"/>
+            <a:r>
+              <a:rPr lang="en-US" sz="2400" dirty="0"/>
+              <a:t>Helps me plan my time effectively</a:t>
+            </a:r>
+          </a:p>
+          <a:p>
+            <a:pPr lvl="2"/>
+            <a:r>
+              <a:rPr lang="en-US" sz="2400" dirty="0"/>
+              <a:t>Email me if you can’t find a time</a:t>
             </a:r>
           </a:p>
         </p:txBody>
@@ -7025,7 +7131,7 @@
     </p:spTree>
     <p:extLst>
       <p:ext uri="{BB962C8B-B14F-4D97-AF65-F5344CB8AC3E}">
-        <p14:creationId xmlns:p14="http://schemas.microsoft.com/office/powerpoint/2010/main" val="1613605203"/>
+        <p14:creationId xmlns:p14="http://schemas.microsoft.com/office/powerpoint/2010/main" val="1848748188"/>
       </p:ext>
     </p:extLst>
   </p:cSld>
@@ -7086,80 +7192,78 @@
         </p:nvSpPr>
         <p:spPr>
           <a:xfrm>
-            <a:off x="1981200" y="1371600"/>
-            <a:ext cx="8229600" cy="5486400"/>
+            <a:off x="962890" y="1295400"/>
+            <a:ext cx="10515600" cy="5470524"/>
           </a:xfrm>
         </p:spPr>
         <p:txBody>
-          <a:bodyPr/>
-          <a:lstStyle/>
-          <a:p>
-            <a:r>
-              <a:rPr lang="en-US" dirty="0"/>
-              <a:t>Amanda Stouder</a:t>
+          <a:bodyPr>
+            <a:normAutofit/>
+          </a:bodyPr>
+          <a:lstStyle/>
+          <a:p>
+            <a:r>
+              <a:rPr lang="en-US" sz="3200" dirty="0"/>
+              <a:t>More about me</a:t>
+            </a:r>
+          </a:p>
+          <a:p>
+            <a:r>
+              <a:rPr lang="en-US" sz="3200" dirty="0"/>
+              <a:t>When I was a student here: </a:t>
             </a:r>
           </a:p>
           <a:p>
             <a:pPr lvl="1"/>
             <a:r>
-              <a:rPr lang="en-US" dirty="0"/>
-              <a:t>Assistant Professor for the Practice of Computer Science and Software Engineering</a:t>
+              <a:rPr lang="en-US" sz="2800" dirty="0"/>
+              <a:t>Cross Country, Engineers Without Borders, symphony orchestra, musicals, improv club, St. Joseph’s University Ministry</a:t>
             </a:r>
           </a:p>
           <a:p>
             <a:pPr lvl="1"/>
             <a:r>
-              <a:rPr lang="en-US" dirty="0"/>
-              <a:t>You can call me:</a:t>
+              <a:rPr lang="en-US" sz="2800" dirty="0"/>
+              <a:t>Friends &amp; activities helped me make it through Rose</a:t>
             </a:r>
           </a:p>
           <a:p>
             <a:pPr lvl="2"/>
             <a:r>
-              <a:rPr lang="en-US" dirty="0"/>
-              <a:t>Amanda</a:t>
-            </a:r>
-          </a:p>
-          <a:p>
-            <a:pPr lvl="2"/>
-            <a:r>
-              <a:rPr lang="en-US" dirty="0"/>
-              <a:t>Professor Stouder</a:t>
+              <a:rPr lang="en-US" sz="2400" dirty="0"/>
+              <a:t>Find your people! </a:t>
             </a:r>
           </a:p>
           <a:p>
             <a:pPr lvl="1"/>
-            <a:r>
-              <a:rPr lang="en-US" dirty="0"/>
-              <a:t>Don’t call me:</a:t>
-            </a:r>
-          </a:p>
-          <a:p>
-            <a:pPr lvl="2"/>
-            <a:r>
-              <a:rPr lang="en-US" strike="sngStrike" dirty="0"/>
-              <a:t>Mrs. Stouder</a:t>
-            </a:r>
-            <a:r>
-              <a:rPr lang="en-US" dirty="0"/>
-              <a:t> (please not this)</a:t>
-            </a:r>
-          </a:p>
-          <a:p>
-            <a:pPr lvl="2"/>
-            <a:r>
-              <a:rPr lang="en-US" strike="sngStrike" dirty="0"/>
-              <a:t>Dr. Stouder</a:t>
-            </a:r>
-            <a:r>
-              <a:rPr lang="en-US" dirty="0"/>
-              <a:t> (not this either, I’ll explain)</a:t>
-            </a:r>
-          </a:p>
-          <a:p>
-            <a:pPr marL="0" indent="0">
-              <a:buNone/>
-            </a:pPr>
+            <a:endParaRPr lang="en-US" sz="2800" dirty="0"/>
+          </a:p>
+          <a:p>
+            <a:r>
+              <a:rPr lang="en-US" sz="3200" dirty="0"/>
+              <a:t>Interested in working with students on research</a:t>
+            </a:r>
+          </a:p>
+          <a:p>
+            <a:pPr lvl="1"/>
+            <a:r>
+              <a:rPr lang="en-US" sz="2800" dirty="0"/>
+              <a:t>Feel free to schedule appt. or email if you have interest in research</a:t>
+            </a:r>
+          </a:p>
+          <a:p>
+            <a:pPr lvl="1"/>
+            <a:r>
+              <a:rPr lang="en-US" sz="2800" dirty="0"/>
+              <a:t>Graph theory, algorithmic game theory, operations research</a:t>
+            </a:r>
+          </a:p>
+          <a:p>
+            <a:pPr lvl="1"/>
+            <a:r>
+              <a:rPr lang="en-US" sz="2800" dirty="0"/>
+              <a:t>Most projects require CSSE 473, but we can talk before then</a:t>
+            </a:r>
             <a:endParaRPr lang="en-US" dirty="0"/>
           </a:p>
         </p:txBody>
@@ -7167,7 +7271,7 @@
     </p:spTree>
     <p:extLst>
       <p:ext uri="{BB962C8B-B14F-4D97-AF65-F5344CB8AC3E}">
-        <p14:creationId xmlns:p14="http://schemas.microsoft.com/office/powerpoint/2010/main" val="4221316393"/>
+        <p14:creationId xmlns:p14="http://schemas.microsoft.com/office/powerpoint/2010/main" val="1055126336"/>
       </p:ext>
     </p:extLst>
   </p:cSld>
@@ -7178,7 +7282,7 @@
 </file>
 
 <file path=ppt/slides/slide16.xml><?xml version="1.0" encoding="utf-8"?>
-<p:sld xmlns:a="http://schemas.openxmlformats.org/drawingml/2006/main" xmlns:r="http://schemas.openxmlformats.org/officeDocument/2006/relationships" xmlns:p="http://schemas.openxmlformats.org/presentationml/2006/main" show="0">
+<p:sld xmlns:a="http://schemas.openxmlformats.org/drawingml/2006/main" xmlns:r="http://schemas.openxmlformats.org/officeDocument/2006/relationships" xmlns:p="http://schemas.openxmlformats.org/presentationml/2006/main">
   <p:cSld>
     <p:spTree>
       <p:nvGrpSpPr>
@@ -7211,7 +7315,7 @@
           <a:p>
             <a:r>
               <a:rPr lang="en-US" dirty="0"/>
-              <a:t>Instructor Info</a:t>
+              <a:t>Introductions</a:t>
             </a:r>
           </a:p>
         </p:txBody>
@@ -7228,8 +7332,8 @@
         </p:nvSpPr>
         <p:spPr>
           <a:xfrm>
-            <a:off x="1981200" y="1447800"/>
-            <a:ext cx="8229600" cy="5257800"/>
+            <a:off x="1634971" y="1675152"/>
+            <a:ext cx="8229600" cy="2819400"/>
           </a:xfrm>
         </p:spPr>
         <p:txBody>
@@ -7239,78 +7343,46 @@
           <a:lstStyle/>
           <a:p>
             <a:r>
-              <a:rPr lang="en-US" dirty="0"/>
-              <a:t>Education</a:t>
+              <a:rPr lang="en-US" sz="3600" dirty="0"/>
+              <a:t>TA</a:t>
+            </a:r>
+          </a:p>
+          <a:p>
+            <a:r>
+              <a:rPr lang="en-US" sz="3600" dirty="0"/>
+              <a:t>Students (briefly! </a:t>
+            </a:r>
+            <a:r>
+              <a:rPr lang="en-US" sz="3600" dirty="0">
+                <a:sym typeface="Wingdings" panose="05000000000000000000" pitchFamily="2" charset="2"/>
+              </a:rPr>
+              <a:t> it’s a big class</a:t>
+            </a:r>
+            <a:r>
+              <a:rPr lang="en-US" sz="3600" dirty="0"/>
+              <a:t>)</a:t>
             </a:r>
           </a:p>
           <a:p>
             <a:pPr lvl="1"/>
             <a:r>
-              <a:rPr lang="en-US" dirty="0"/>
-              <a:t>Rose-</a:t>
-            </a:r>
-            <a:r>
-              <a:rPr lang="en-US" dirty="0" err="1"/>
-              <a:t>Hulman</a:t>
-            </a:r>
-            <a:r>
-              <a:rPr lang="en-US" dirty="0"/>
-              <a:t> Institute of Technology 2008</a:t>
-            </a:r>
-          </a:p>
-          <a:p>
-            <a:pPr lvl="2"/>
-            <a:r>
-              <a:rPr lang="en-US" dirty="0"/>
-              <a:t>B.S. in Computer Science and Software Engineering</a:t>
-            </a:r>
-          </a:p>
-          <a:p>
-            <a:r>
-              <a:rPr lang="en-US" dirty="0"/>
-              <a:t>Experience:</a:t>
+              <a:rPr lang="en-US" sz="3200" dirty="0"/>
+              <a:t>What should we call you?</a:t>
             </a:r>
           </a:p>
           <a:p>
             <a:pPr lvl="1"/>
             <a:r>
-              <a:rPr lang="en-US" dirty="0"/>
-              <a:t>Amadeus Consulting, 2008-2010</a:t>
-            </a:r>
-          </a:p>
-          <a:p>
-            <a:pPr lvl="1"/>
-            <a:r>
-              <a:rPr lang="en-US" dirty="0"/>
-              <a:t>Software Engineering Professionals (SEP), 2010-2014</a:t>
-            </a:r>
-          </a:p>
-          <a:p>
-            <a:pPr lvl="1"/>
-            <a:r>
-              <a:rPr lang="en-US" dirty="0"/>
-              <a:t>Stouder Software Consulting, LLC (2014-present)</a:t>
-            </a:r>
-          </a:p>
-          <a:p>
-            <a:pPr lvl="1"/>
-            <a:r>
-              <a:rPr lang="en-US" dirty="0"/>
-              <a:t>RHIT: Visiting Professor CSSE (2013-2016)</a:t>
-            </a:r>
-          </a:p>
-          <a:p>
-            <a:pPr marL="0" indent="0">
-              <a:buNone/>
-            </a:pPr>
-            <a:endParaRPr lang="en-US" dirty="0"/>
+              <a:rPr lang="en-US" sz="3200" dirty="0"/>
+              <a:t>What you do for fun/rejuvenation?</a:t>
+            </a:r>
           </a:p>
         </p:txBody>
       </p:sp>
     </p:spTree>
     <p:extLst>
       <p:ext uri="{BB962C8B-B14F-4D97-AF65-F5344CB8AC3E}">
-        <p14:creationId xmlns:p14="http://schemas.microsoft.com/office/powerpoint/2010/main" val="3531852098"/>
+        <p14:creationId xmlns:p14="http://schemas.microsoft.com/office/powerpoint/2010/main" val="1613605203"/>
       </p:ext>
     </p:extLst>
   </p:cSld>
@@ -7369,6 +7441,291 @@
             <p:ph type="body" idx="1"/>
           </p:nvPr>
         </p:nvSpPr>
+        <p:spPr>
+          <a:xfrm>
+            <a:off x="1981200" y="1371600"/>
+            <a:ext cx="8229600" cy="5486400"/>
+          </a:xfrm>
+        </p:spPr>
+        <p:txBody>
+          <a:bodyPr/>
+          <a:lstStyle/>
+          <a:p>
+            <a:r>
+              <a:rPr lang="en-US" dirty="0"/>
+              <a:t>Amanda Stouder</a:t>
+            </a:r>
+          </a:p>
+          <a:p>
+            <a:pPr lvl="1"/>
+            <a:r>
+              <a:rPr lang="en-US" dirty="0"/>
+              <a:t>Assistant Professor for the Practice of Computer Science and Software Engineering</a:t>
+            </a:r>
+          </a:p>
+          <a:p>
+            <a:pPr lvl="1"/>
+            <a:r>
+              <a:rPr lang="en-US" dirty="0"/>
+              <a:t>You can call me:</a:t>
+            </a:r>
+          </a:p>
+          <a:p>
+            <a:pPr lvl="2"/>
+            <a:r>
+              <a:rPr lang="en-US" dirty="0"/>
+              <a:t>Amanda</a:t>
+            </a:r>
+          </a:p>
+          <a:p>
+            <a:pPr lvl="2"/>
+            <a:r>
+              <a:rPr lang="en-US" dirty="0"/>
+              <a:t>Professor Stouder</a:t>
+            </a:r>
+          </a:p>
+          <a:p>
+            <a:pPr lvl="1"/>
+            <a:r>
+              <a:rPr lang="en-US" dirty="0"/>
+              <a:t>Don’t call me:</a:t>
+            </a:r>
+          </a:p>
+          <a:p>
+            <a:pPr lvl="2"/>
+            <a:r>
+              <a:rPr lang="en-US" strike="sngStrike" dirty="0"/>
+              <a:t>Mrs. Stouder</a:t>
+            </a:r>
+            <a:r>
+              <a:rPr lang="en-US" dirty="0"/>
+              <a:t> (please not this)</a:t>
+            </a:r>
+          </a:p>
+          <a:p>
+            <a:pPr lvl="2"/>
+            <a:r>
+              <a:rPr lang="en-US" strike="sngStrike" dirty="0"/>
+              <a:t>Dr. Stouder</a:t>
+            </a:r>
+            <a:r>
+              <a:rPr lang="en-US" dirty="0"/>
+              <a:t> (not this either, I’ll explain)</a:t>
+            </a:r>
+          </a:p>
+          <a:p>
+            <a:pPr marL="0" indent="0">
+              <a:buNone/>
+            </a:pPr>
+            <a:endParaRPr lang="en-US" dirty="0"/>
+          </a:p>
+        </p:txBody>
+      </p:sp>
+    </p:spTree>
+    <p:extLst>
+      <p:ext uri="{BB962C8B-B14F-4D97-AF65-F5344CB8AC3E}">
+        <p14:creationId xmlns:p14="http://schemas.microsoft.com/office/powerpoint/2010/main" val="4221316393"/>
+      </p:ext>
+    </p:extLst>
+  </p:cSld>
+  <p:clrMapOvr>
+    <a:masterClrMapping/>
+  </p:clrMapOvr>
+</p:sld>
+</file>
+
+<file path=ppt/slides/slide18.xml><?xml version="1.0" encoding="utf-8"?>
+<p:sld xmlns:a="http://schemas.openxmlformats.org/drawingml/2006/main" xmlns:r="http://schemas.openxmlformats.org/officeDocument/2006/relationships" xmlns:p="http://schemas.openxmlformats.org/presentationml/2006/main" show="0">
+  <p:cSld>
+    <p:spTree>
+      <p:nvGrpSpPr>
+        <p:cNvPr id="1" name=""/>
+        <p:cNvGrpSpPr/>
+        <p:nvPr/>
+      </p:nvGrpSpPr>
+      <p:grpSpPr>
+        <a:xfrm>
+          <a:off x="0" y="0"/>
+          <a:ext cx="0" cy="0"/>
+          <a:chOff x="0" y="0"/>
+          <a:chExt cx="0" cy="0"/>
+        </a:xfrm>
+      </p:grpSpPr>
+      <p:sp>
+        <p:nvSpPr>
+          <p:cNvPr id="2" name="Title 1"/>
+          <p:cNvSpPr>
+            <a:spLocks noGrp="1"/>
+          </p:cNvSpPr>
+          <p:nvPr>
+            <p:ph type="title"/>
+          </p:nvPr>
+        </p:nvSpPr>
+        <p:spPr/>
+        <p:txBody>
+          <a:bodyPr/>
+          <a:lstStyle/>
+          <a:p>
+            <a:r>
+              <a:rPr lang="en-US" dirty="0"/>
+              <a:t>Instructor Info</a:t>
+            </a:r>
+          </a:p>
+        </p:txBody>
+      </p:sp>
+      <p:sp>
+        <p:nvSpPr>
+          <p:cNvPr id="3" name="Text Placeholder 2"/>
+          <p:cNvSpPr>
+            <a:spLocks noGrp="1"/>
+          </p:cNvSpPr>
+          <p:nvPr>
+            <p:ph type="body" idx="1"/>
+          </p:nvPr>
+        </p:nvSpPr>
+        <p:spPr>
+          <a:xfrm>
+            <a:off x="1981200" y="1447800"/>
+            <a:ext cx="8229600" cy="5257800"/>
+          </a:xfrm>
+        </p:spPr>
+        <p:txBody>
+          <a:bodyPr>
+            <a:normAutofit/>
+          </a:bodyPr>
+          <a:lstStyle/>
+          <a:p>
+            <a:r>
+              <a:rPr lang="en-US" dirty="0"/>
+              <a:t>Education</a:t>
+            </a:r>
+          </a:p>
+          <a:p>
+            <a:pPr lvl="1"/>
+            <a:r>
+              <a:rPr lang="en-US" dirty="0"/>
+              <a:t>Rose-</a:t>
+            </a:r>
+            <a:r>
+              <a:rPr lang="en-US" dirty="0" err="1"/>
+              <a:t>Hulman</a:t>
+            </a:r>
+            <a:r>
+              <a:rPr lang="en-US" dirty="0"/>
+              <a:t> Institute of Technology 2008</a:t>
+            </a:r>
+          </a:p>
+          <a:p>
+            <a:pPr lvl="2"/>
+            <a:r>
+              <a:rPr lang="en-US" dirty="0"/>
+              <a:t>B.S. in Computer Science and Software Engineering</a:t>
+            </a:r>
+          </a:p>
+          <a:p>
+            <a:r>
+              <a:rPr lang="en-US" dirty="0"/>
+              <a:t>Experience:</a:t>
+            </a:r>
+          </a:p>
+          <a:p>
+            <a:pPr lvl="1"/>
+            <a:r>
+              <a:rPr lang="en-US" dirty="0"/>
+              <a:t>Amadeus Consulting, 2008-2010</a:t>
+            </a:r>
+          </a:p>
+          <a:p>
+            <a:pPr lvl="1"/>
+            <a:r>
+              <a:rPr lang="en-US" dirty="0"/>
+              <a:t>Software Engineering Professionals (SEP), 2010-2014</a:t>
+            </a:r>
+          </a:p>
+          <a:p>
+            <a:pPr lvl="1"/>
+            <a:r>
+              <a:rPr lang="en-US" dirty="0"/>
+              <a:t>Stouder Software Consulting, LLC (2014-present)</a:t>
+            </a:r>
+          </a:p>
+          <a:p>
+            <a:pPr lvl="1"/>
+            <a:r>
+              <a:rPr lang="en-US" dirty="0"/>
+              <a:t>RHIT: Visiting Professor CSSE (2013-2016)</a:t>
+            </a:r>
+          </a:p>
+          <a:p>
+            <a:pPr marL="0" indent="0">
+              <a:buNone/>
+            </a:pPr>
+            <a:endParaRPr lang="en-US" dirty="0"/>
+          </a:p>
+        </p:txBody>
+      </p:sp>
+    </p:spTree>
+    <p:extLst>
+      <p:ext uri="{BB962C8B-B14F-4D97-AF65-F5344CB8AC3E}">
+        <p14:creationId xmlns:p14="http://schemas.microsoft.com/office/powerpoint/2010/main" val="3531852098"/>
+      </p:ext>
+    </p:extLst>
+  </p:cSld>
+  <p:clrMapOvr>
+    <a:masterClrMapping/>
+  </p:clrMapOvr>
+</p:sld>
+</file>
+
+<file path=ppt/slides/slide19.xml><?xml version="1.0" encoding="utf-8"?>
+<p:sld xmlns:a="http://schemas.openxmlformats.org/drawingml/2006/main" xmlns:r="http://schemas.openxmlformats.org/officeDocument/2006/relationships" xmlns:p="http://schemas.openxmlformats.org/presentationml/2006/main" show="0">
+  <p:cSld>
+    <p:spTree>
+      <p:nvGrpSpPr>
+        <p:cNvPr id="1" name=""/>
+        <p:cNvGrpSpPr/>
+        <p:nvPr/>
+      </p:nvGrpSpPr>
+      <p:grpSpPr>
+        <a:xfrm>
+          <a:off x="0" y="0"/>
+          <a:ext cx="0" cy="0"/>
+          <a:chOff x="0" y="0"/>
+          <a:chExt cx="0" cy="0"/>
+        </a:xfrm>
+      </p:grpSpPr>
+      <p:sp>
+        <p:nvSpPr>
+          <p:cNvPr id="2" name="Title 1"/>
+          <p:cNvSpPr>
+            <a:spLocks noGrp="1"/>
+          </p:cNvSpPr>
+          <p:nvPr>
+            <p:ph type="title"/>
+          </p:nvPr>
+        </p:nvSpPr>
+        <p:spPr/>
+        <p:txBody>
+          <a:bodyPr/>
+          <a:lstStyle/>
+          <a:p>
+            <a:r>
+              <a:rPr lang="en-US" dirty="0"/>
+              <a:t>Instructor Info</a:t>
+            </a:r>
+          </a:p>
+        </p:txBody>
+      </p:sp>
+      <p:sp>
+        <p:nvSpPr>
+          <p:cNvPr id="3" name="Text Placeholder 2"/>
+          <p:cNvSpPr>
+            <a:spLocks noGrp="1"/>
+          </p:cNvSpPr>
+          <p:nvPr>
+            <p:ph type="body" idx="1"/>
+          </p:nvPr>
+        </p:nvSpPr>
         <p:spPr/>
         <p:txBody>
           <a:bodyPr/>
@@ -7422,7 +7779,380 @@
 </p:sld>
 </file>
 
-<file path=ppt/slides/slide18.xml><?xml version="1.0" encoding="utf-8"?>
+<file path=ppt/slides/slide2.xml><?xml version="1.0" encoding="utf-8"?>
+<p:sld xmlns:a="http://schemas.openxmlformats.org/drawingml/2006/main" xmlns:r="http://schemas.openxmlformats.org/officeDocument/2006/relationships" xmlns:p="http://schemas.openxmlformats.org/presentationml/2006/main">
+  <p:cSld>
+    <p:spTree>
+      <p:nvGrpSpPr>
+        <p:cNvPr id="1" name=""/>
+        <p:cNvGrpSpPr/>
+        <p:nvPr/>
+      </p:nvGrpSpPr>
+      <p:grpSpPr>
+        <a:xfrm>
+          <a:off x="0" y="0"/>
+          <a:ext cx="0" cy="0"/>
+          <a:chOff x="0" y="0"/>
+          <a:chExt cx="0" cy="0"/>
+        </a:xfrm>
+      </p:grpSpPr>
+      <p:sp>
+        <p:nvSpPr>
+          <p:cNvPr id="2" name="Title 1">
+            <a:extLst>
+              <a:ext uri="{FF2B5EF4-FFF2-40B4-BE49-F238E27FC236}">
+                <a16:creationId xmlns:a16="http://schemas.microsoft.com/office/drawing/2014/main" id="{83D4630F-C598-95D2-A677-264975F7D4DB}"/>
+              </a:ext>
+            </a:extLst>
+          </p:cNvPr>
+          <p:cNvSpPr>
+            <a:spLocks noGrp="1"/>
+          </p:cNvSpPr>
+          <p:nvPr>
+            <p:ph type="title"/>
+          </p:nvPr>
+        </p:nvSpPr>
+        <p:spPr>
+          <a:xfrm>
+            <a:off x="838200" y="-8302"/>
+            <a:ext cx="10515600" cy="1325563"/>
+          </a:xfrm>
+        </p:spPr>
+        <p:txBody>
+          <a:bodyPr/>
+          <a:lstStyle/>
+          <a:p>
+            <a:r>
+              <a:rPr lang="en-US" dirty="0"/>
+              <a:t>Useful Links in “</a:t>
+            </a:r>
+            <a:r>
+              <a:rPr lang="en-US" dirty="0" err="1"/>
+              <a:t>Airtable</a:t>
+            </a:r>
+            <a:r>
+              <a:rPr lang="en-US" dirty="0"/>
+              <a:t>”  (colorful) Calendar</a:t>
+            </a:r>
+          </a:p>
+        </p:txBody>
+      </p:sp>
+      <p:pic>
+        <p:nvPicPr>
+          <p:cNvPr id="5" name="Content Placeholder 4" descr="A screenshot of a computer&#10;&#10;Description automatically generated">
+            <a:extLst>
+              <a:ext uri="{FF2B5EF4-FFF2-40B4-BE49-F238E27FC236}">
+                <a16:creationId xmlns:a16="http://schemas.microsoft.com/office/drawing/2014/main" id="{3A28BBE1-AC40-F1C0-08B3-09EF337CD7AC}"/>
+              </a:ext>
+            </a:extLst>
+          </p:cNvPr>
+          <p:cNvPicPr>
+            <a:picLocks noGrp="1" noChangeAspect="1"/>
+          </p:cNvPicPr>
+          <p:nvPr>
+            <p:ph idx="1"/>
+          </p:nvPr>
+        </p:nvPicPr>
+        <p:blipFill>
+          <a:blip r:embed="rId2"/>
+          <a:stretch>
+            <a:fillRect/>
+          </a:stretch>
+        </p:blipFill>
+        <p:spPr>
+          <a:xfrm>
+            <a:off x="4685017" y="866542"/>
+            <a:ext cx="7266728" cy="4512833"/>
+          </a:xfrm>
+        </p:spPr>
+      </p:pic>
+      <p:sp>
+        <p:nvSpPr>
+          <p:cNvPr id="13" name="TextBox 12">
+            <a:extLst>
+              <a:ext uri="{FF2B5EF4-FFF2-40B4-BE49-F238E27FC236}">
+                <a16:creationId xmlns:a16="http://schemas.microsoft.com/office/drawing/2014/main" id="{477AD6E2-555F-45D2-149A-5FE1442798BF}"/>
+              </a:ext>
+            </a:extLst>
+          </p:cNvPr>
+          <p:cNvSpPr txBox="1"/>
+          <p:nvPr/>
+        </p:nvSpPr>
+        <p:spPr>
+          <a:xfrm>
+            <a:off x="91634" y="3692025"/>
+            <a:ext cx="4023360" cy="3139321"/>
+          </a:xfrm>
+          <a:prstGeom prst="rect">
+            <a:avLst/>
+          </a:prstGeom>
+          <a:solidFill>
+            <a:schemeClr val="accent1">
+              <a:lumMod val="20000"/>
+              <a:lumOff val="80000"/>
+            </a:schemeClr>
+          </a:solidFill>
+          <a:ln>
+            <a:solidFill>
+              <a:schemeClr val="tx1"/>
+            </a:solidFill>
+          </a:ln>
+        </p:spPr>
+        <p:txBody>
+          <a:bodyPr wrap="square" rtlCol="0">
+            <a:spAutoFit/>
+          </a:bodyPr>
+          <a:lstStyle/>
+          <a:p>
+            <a:endParaRPr lang="en-US" dirty="0"/>
+          </a:p>
+          <a:p>
+            <a:endParaRPr lang="en-US" dirty="0"/>
+          </a:p>
+          <a:p>
+            <a:endParaRPr lang="en-US" dirty="0"/>
+          </a:p>
+          <a:p>
+            <a:endParaRPr lang="en-US" dirty="0"/>
+          </a:p>
+          <a:p>
+            <a:endParaRPr lang="en-US" dirty="0"/>
+          </a:p>
+          <a:p>
+            <a:endParaRPr lang="en-US" dirty="0"/>
+          </a:p>
+          <a:p>
+            <a:endParaRPr lang="en-US" dirty="0"/>
+          </a:p>
+          <a:p>
+            <a:r>
+              <a:rPr lang="en-US" dirty="0"/>
+              <a:t>Various Topic Summaries for CSSE220 Topics. Useful for checking your understanding, review daily material preparing for exams.</a:t>
+            </a:r>
+          </a:p>
+        </p:txBody>
+      </p:sp>
+      <p:pic>
+        <p:nvPicPr>
+          <p:cNvPr id="14" name="Picture 13">
+            <a:extLst>
+              <a:ext uri="{FF2B5EF4-FFF2-40B4-BE49-F238E27FC236}">
+                <a16:creationId xmlns:a16="http://schemas.microsoft.com/office/drawing/2014/main" id="{11D30C01-D557-EBE6-56F2-F79EC3488938}"/>
+              </a:ext>
+            </a:extLst>
+          </p:cNvPr>
+          <p:cNvPicPr>
+            <a:picLocks noChangeAspect="1"/>
+          </p:cNvPicPr>
+          <p:nvPr/>
+        </p:nvPicPr>
+        <p:blipFill>
+          <a:blip r:embed="rId3"/>
+          <a:stretch>
+            <a:fillRect/>
+          </a:stretch>
+        </p:blipFill>
+        <p:spPr>
+          <a:xfrm>
+            <a:off x="240255" y="3855162"/>
+            <a:ext cx="3591426" cy="1524213"/>
+          </a:xfrm>
+          <a:prstGeom prst="rect">
+            <a:avLst/>
+          </a:prstGeom>
+        </p:spPr>
+      </p:pic>
+      <p:sp>
+        <p:nvSpPr>
+          <p:cNvPr id="15" name="TextBox 14">
+            <a:extLst>
+              <a:ext uri="{FF2B5EF4-FFF2-40B4-BE49-F238E27FC236}">
+                <a16:creationId xmlns:a16="http://schemas.microsoft.com/office/drawing/2014/main" id="{017E3B92-AC47-5027-9A6B-DF9660518F15}"/>
+              </a:ext>
+            </a:extLst>
+          </p:cNvPr>
+          <p:cNvSpPr txBox="1"/>
+          <p:nvPr/>
+        </p:nvSpPr>
+        <p:spPr>
+          <a:xfrm>
+            <a:off x="98598" y="1071743"/>
+            <a:ext cx="4023360" cy="2308324"/>
+          </a:xfrm>
+          <a:prstGeom prst="rect">
+            <a:avLst/>
+          </a:prstGeom>
+          <a:solidFill>
+            <a:schemeClr val="accent1">
+              <a:lumMod val="20000"/>
+              <a:lumOff val="80000"/>
+            </a:schemeClr>
+          </a:solidFill>
+          <a:ln>
+            <a:solidFill>
+              <a:schemeClr val="tx1"/>
+            </a:solidFill>
+          </a:ln>
+        </p:spPr>
+        <p:txBody>
+          <a:bodyPr wrap="square" rtlCol="0">
+            <a:spAutoFit/>
+          </a:bodyPr>
+          <a:lstStyle/>
+          <a:p>
+            <a:endParaRPr lang="en-US" dirty="0"/>
+          </a:p>
+          <a:p>
+            <a:endParaRPr lang="en-US" dirty="0"/>
+          </a:p>
+          <a:p>
+            <a:endParaRPr lang="en-US" dirty="0"/>
+          </a:p>
+          <a:p>
+            <a:endParaRPr lang="en-US" dirty="0"/>
+          </a:p>
+          <a:p>
+            <a:endParaRPr lang="en-US" dirty="0"/>
+          </a:p>
+          <a:p>
+            <a:r>
+              <a:rPr lang="en-US" dirty="0"/>
+              <a:t>Pre-recorded lectures of content. Useful for reviewing confusing material, when you miss part or all of a class.</a:t>
+            </a:r>
+          </a:p>
+        </p:txBody>
+      </p:sp>
+      <p:pic>
+        <p:nvPicPr>
+          <p:cNvPr id="16" name="Picture 15">
+            <a:extLst>
+              <a:ext uri="{FF2B5EF4-FFF2-40B4-BE49-F238E27FC236}">
+                <a16:creationId xmlns:a16="http://schemas.microsoft.com/office/drawing/2014/main" id="{886DF227-E112-AD76-369A-C7ACC343C905}"/>
+              </a:ext>
+            </a:extLst>
+          </p:cNvPr>
+          <p:cNvPicPr>
+            <a:picLocks noChangeAspect="1"/>
+          </p:cNvPicPr>
+          <p:nvPr/>
+        </p:nvPicPr>
+        <p:blipFill>
+          <a:blip r:embed="rId4"/>
+          <a:stretch>
+            <a:fillRect/>
+          </a:stretch>
+        </p:blipFill>
+        <p:spPr>
+          <a:xfrm>
+            <a:off x="240255" y="1317261"/>
+            <a:ext cx="3740047" cy="968405"/>
+          </a:xfrm>
+          <a:prstGeom prst="rect">
+            <a:avLst/>
+          </a:prstGeom>
+        </p:spPr>
+      </p:pic>
+      <p:sp>
+        <p:nvSpPr>
+          <p:cNvPr id="17" name="TextBox 16">
+            <a:extLst>
+              <a:ext uri="{FF2B5EF4-FFF2-40B4-BE49-F238E27FC236}">
+                <a16:creationId xmlns:a16="http://schemas.microsoft.com/office/drawing/2014/main" id="{EB7CC05C-E84E-59DE-1114-D38B01CE2D3D}"/>
+              </a:ext>
+            </a:extLst>
+          </p:cNvPr>
+          <p:cNvSpPr txBox="1"/>
+          <p:nvPr/>
+        </p:nvSpPr>
+        <p:spPr>
+          <a:xfrm>
+            <a:off x="4678053" y="5343811"/>
+            <a:ext cx="7229044" cy="1477328"/>
+          </a:xfrm>
+          <a:prstGeom prst="rect">
+            <a:avLst/>
+          </a:prstGeom>
+          <a:solidFill>
+            <a:schemeClr val="accent1">
+              <a:lumMod val="20000"/>
+              <a:lumOff val="80000"/>
+            </a:schemeClr>
+          </a:solidFill>
+          <a:ln>
+            <a:solidFill>
+              <a:schemeClr val="tx1"/>
+            </a:solidFill>
+          </a:ln>
+        </p:spPr>
+        <p:txBody>
+          <a:bodyPr wrap="square" rtlCol="0">
+            <a:spAutoFit/>
+          </a:bodyPr>
+          <a:lstStyle/>
+          <a:p>
+            <a:endParaRPr lang="en-US" dirty="0"/>
+          </a:p>
+          <a:p>
+            <a:endParaRPr lang="en-US" dirty="0"/>
+          </a:p>
+          <a:p>
+            <a:endParaRPr lang="en-US" dirty="0"/>
+          </a:p>
+          <a:p>
+            <a:endParaRPr lang="en-US" dirty="0"/>
+          </a:p>
+          <a:p>
+            <a:r>
+              <a:rPr lang="en-US" dirty="0"/>
+              <a:t>Direct link to the Moodle Quiz for the Day</a:t>
+            </a:r>
+          </a:p>
+        </p:txBody>
+      </p:sp>
+      <p:pic>
+        <p:nvPicPr>
+          <p:cNvPr id="18" name="Picture 17">
+            <a:extLst>
+              <a:ext uri="{FF2B5EF4-FFF2-40B4-BE49-F238E27FC236}">
+                <a16:creationId xmlns:a16="http://schemas.microsoft.com/office/drawing/2014/main" id="{19B249A5-C4E3-C13A-000A-1C50FE03731E}"/>
+              </a:ext>
+            </a:extLst>
+          </p:cNvPr>
+          <p:cNvPicPr>
+            <a:picLocks noChangeAspect="1"/>
+          </p:cNvPicPr>
+          <p:nvPr/>
+        </p:nvPicPr>
+        <p:blipFill>
+          <a:blip r:embed="rId5"/>
+          <a:stretch>
+            <a:fillRect/>
+          </a:stretch>
+        </p:blipFill>
+        <p:spPr>
+          <a:xfrm>
+            <a:off x="4785261" y="5540739"/>
+            <a:ext cx="4248743" cy="781159"/>
+          </a:xfrm>
+          <a:prstGeom prst="rect">
+            <a:avLst/>
+          </a:prstGeom>
+        </p:spPr>
+      </p:pic>
+    </p:spTree>
+    <p:extLst>
+      <p:ext uri="{BB962C8B-B14F-4D97-AF65-F5344CB8AC3E}">
+        <p14:creationId xmlns:p14="http://schemas.microsoft.com/office/powerpoint/2010/main" val="3678158814"/>
+      </p:ext>
+    </p:extLst>
+  </p:cSld>
+  <p:clrMapOvr>
+    <a:masterClrMapping/>
+  </p:clrMapOvr>
+</p:sld>
+</file>
+
+<file path=ppt/slides/slide20.xml><?xml version="1.0" encoding="utf-8"?>
 <p:sld xmlns:a="http://schemas.openxmlformats.org/drawingml/2006/main" xmlns:r="http://schemas.openxmlformats.org/officeDocument/2006/relationships" xmlns:p="http://schemas.openxmlformats.org/presentationml/2006/main" show="0">
   <p:cSld>
     <p:spTree>
@@ -7925,7 +8655,7 @@
 </p:sld>
 </file>
 
-<file path=ppt/slides/slide19.xml><?xml version="1.0" encoding="utf-8"?>
+<file path=ppt/slides/slide21.xml><?xml version="1.0" encoding="utf-8"?>
 <p:sld xmlns:a="http://schemas.openxmlformats.org/drawingml/2006/main" xmlns:r="http://schemas.openxmlformats.org/officeDocument/2006/relationships" xmlns:p="http://schemas.openxmlformats.org/presentationml/2006/main" show="0">
   <p:cSld>
     <p:spTree>
@@ -8047,380 +8777,7 @@
 </p:sld>
 </file>
 
-<file path=ppt/slides/slide2.xml><?xml version="1.0" encoding="utf-8"?>
-<p:sld xmlns:a="http://schemas.openxmlformats.org/drawingml/2006/main" xmlns:r="http://schemas.openxmlformats.org/officeDocument/2006/relationships" xmlns:p="http://schemas.openxmlformats.org/presentationml/2006/main">
-  <p:cSld>
-    <p:spTree>
-      <p:nvGrpSpPr>
-        <p:cNvPr id="1" name=""/>
-        <p:cNvGrpSpPr/>
-        <p:nvPr/>
-      </p:nvGrpSpPr>
-      <p:grpSpPr>
-        <a:xfrm>
-          <a:off x="0" y="0"/>
-          <a:ext cx="0" cy="0"/>
-          <a:chOff x="0" y="0"/>
-          <a:chExt cx="0" cy="0"/>
-        </a:xfrm>
-      </p:grpSpPr>
-      <p:sp>
-        <p:nvSpPr>
-          <p:cNvPr id="2" name="Title 1">
-            <a:extLst>
-              <a:ext uri="{FF2B5EF4-FFF2-40B4-BE49-F238E27FC236}">
-                <a16:creationId xmlns:a16="http://schemas.microsoft.com/office/drawing/2014/main" id="{83D4630F-C598-95D2-A677-264975F7D4DB}"/>
-              </a:ext>
-            </a:extLst>
-          </p:cNvPr>
-          <p:cNvSpPr>
-            <a:spLocks noGrp="1"/>
-          </p:cNvSpPr>
-          <p:nvPr>
-            <p:ph type="title"/>
-          </p:nvPr>
-        </p:nvSpPr>
-        <p:spPr>
-          <a:xfrm>
-            <a:off x="838200" y="-8302"/>
-            <a:ext cx="10515600" cy="1325563"/>
-          </a:xfrm>
-        </p:spPr>
-        <p:txBody>
-          <a:bodyPr/>
-          <a:lstStyle/>
-          <a:p>
-            <a:r>
-              <a:rPr lang="en-US" dirty="0"/>
-              <a:t>Useful Links in “</a:t>
-            </a:r>
-            <a:r>
-              <a:rPr lang="en-US" dirty="0" err="1"/>
-              <a:t>Airtable</a:t>
-            </a:r>
-            <a:r>
-              <a:rPr lang="en-US" dirty="0"/>
-              <a:t>”  (colorful) Calendar</a:t>
-            </a:r>
-          </a:p>
-        </p:txBody>
-      </p:sp>
-      <p:pic>
-        <p:nvPicPr>
-          <p:cNvPr id="5" name="Content Placeholder 4" descr="A screenshot of a computer&#10;&#10;Description automatically generated">
-            <a:extLst>
-              <a:ext uri="{FF2B5EF4-FFF2-40B4-BE49-F238E27FC236}">
-                <a16:creationId xmlns:a16="http://schemas.microsoft.com/office/drawing/2014/main" id="{3A28BBE1-AC40-F1C0-08B3-09EF337CD7AC}"/>
-              </a:ext>
-            </a:extLst>
-          </p:cNvPr>
-          <p:cNvPicPr>
-            <a:picLocks noGrp="1" noChangeAspect="1"/>
-          </p:cNvPicPr>
-          <p:nvPr>
-            <p:ph idx="1"/>
-          </p:nvPr>
-        </p:nvPicPr>
-        <p:blipFill>
-          <a:blip r:embed="rId2"/>
-          <a:stretch>
-            <a:fillRect/>
-          </a:stretch>
-        </p:blipFill>
-        <p:spPr>
-          <a:xfrm>
-            <a:off x="4685017" y="866542"/>
-            <a:ext cx="7266728" cy="4512833"/>
-          </a:xfrm>
-        </p:spPr>
-      </p:pic>
-      <p:sp>
-        <p:nvSpPr>
-          <p:cNvPr id="13" name="TextBox 12">
-            <a:extLst>
-              <a:ext uri="{FF2B5EF4-FFF2-40B4-BE49-F238E27FC236}">
-                <a16:creationId xmlns:a16="http://schemas.microsoft.com/office/drawing/2014/main" id="{477AD6E2-555F-45D2-149A-5FE1442798BF}"/>
-              </a:ext>
-            </a:extLst>
-          </p:cNvPr>
-          <p:cNvSpPr txBox="1"/>
-          <p:nvPr/>
-        </p:nvSpPr>
-        <p:spPr>
-          <a:xfrm>
-            <a:off x="91634" y="3692025"/>
-            <a:ext cx="4023360" cy="3139321"/>
-          </a:xfrm>
-          <a:prstGeom prst="rect">
-            <a:avLst/>
-          </a:prstGeom>
-          <a:solidFill>
-            <a:schemeClr val="accent1">
-              <a:lumMod val="20000"/>
-              <a:lumOff val="80000"/>
-            </a:schemeClr>
-          </a:solidFill>
-          <a:ln>
-            <a:solidFill>
-              <a:schemeClr val="tx1"/>
-            </a:solidFill>
-          </a:ln>
-        </p:spPr>
-        <p:txBody>
-          <a:bodyPr wrap="square" rtlCol="0">
-            <a:spAutoFit/>
-          </a:bodyPr>
-          <a:lstStyle/>
-          <a:p>
-            <a:endParaRPr lang="en-US" dirty="0"/>
-          </a:p>
-          <a:p>
-            <a:endParaRPr lang="en-US" dirty="0"/>
-          </a:p>
-          <a:p>
-            <a:endParaRPr lang="en-US" dirty="0"/>
-          </a:p>
-          <a:p>
-            <a:endParaRPr lang="en-US" dirty="0"/>
-          </a:p>
-          <a:p>
-            <a:endParaRPr lang="en-US" dirty="0"/>
-          </a:p>
-          <a:p>
-            <a:endParaRPr lang="en-US" dirty="0"/>
-          </a:p>
-          <a:p>
-            <a:endParaRPr lang="en-US" dirty="0"/>
-          </a:p>
-          <a:p>
-            <a:r>
-              <a:rPr lang="en-US" dirty="0"/>
-              <a:t>Various Topic Summaries for CSSE220 Topics. Useful for checking your understanding, review daily material preparing for exams.</a:t>
-            </a:r>
-          </a:p>
-        </p:txBody>
-      </p:sp>
-      <p:pic>
-        <p:nvPicPr>
-          <p:cNvPr id="14" name="Picture 13">
-            <a:extLst>
-              <a:ext uri="{FF2B5EF4-FFF2-40B4-BE49-F238E27FC236}">
-                <a16:creationId xmlns:a16="http://schemas.microsoft.com/office/drawing/2014/main" id="{11D30C01-D557-EBE6-56F2-F79EC3488938}"/>
-              </a:ext>
-            </a:extLst>
-          </p:cNvPr>
-          <p:cNvPicPr>
-            <a:picLocks noChangeAspect="1"/>
-          </p:cNvPicPr>
-          <p:nvPr/>
-        </p:nvPicPr>
-        <p:blipFill>
-          <a:blip r:embed="rId3"/>
-          <a:stretch>
-            <a:fillRect/>
-          </a:stretch>
-        </p:blipFill>
-        <p:spPr>
-          <a:xfrm>
-            <a:off x="240255" y="3855162"/>
-            <a:ext cx="3591426" cy="1524213"/>
-          </a:xfrm>
-          <a:prstGeom prst="rect">
-            <a:avLst/>
-          </a:prstGeom>
-        </p:spPr>
-      </p:pic>
-      <p:sp>
-        <p:nvSpPr>
-          <p:cNvPr id="15" name="TextBox 14">
-            <a:extLst>
-              <a:ext uri="{FF2B5EF4-FFF2-40B4-BE49-F238E27FC236}">
-                <a16:creationId xmlns:a16="http://schemas.microsoft.com/office/drawing/2014/main" id="{017E3B92-AC47-5027-9A6B-DF9660518F15}"/>
-              </a:ext>
-            </a:extLst>
-          </p:cNvPr>
-          <p:cNvSpPr txBox="1"/>
-          <p:nvPr/>
-        </p:nvSpPr>
-        <p:spPr>
-          <a:xfrm>
-            <a:off x="98598" y="1071743"/>
-            <a:ext cx="4023360" cy="2308324"/>
-          </a:xfrm>
-          <a:prstGeom prst="rect">
-            <a:avLst/>
-          </a:prstGeom>
-          <a:solidFill>
-            <a:schemeClr val="accent1">
-              <a:lumMod val="20000"/>
-              <a:lumOff val="80000"/>
-            </a:schemeClr>
-          </a:solidFill>
-          <a:ln>
-            <a:solidFill>
-              <a:schemeClr val="tx1"/>
-            </a:solidFill>
-          </a:ln>
-        </p:spPr>
-        <p:txBody>
-          <a:bodyPr wrap="square" rtlCol="0">
-            <a:spAutoFit/>
-          </a:bodyPr>
-          <a:lstStyle/>
-          <a:p>
-            <a:endParaRPr lang="en-US" dirty="0"/>
-          </a:p>
-          <a:p>
-            <a:endParaRPr lang="en-US" dirty="0"/>
-          </a:p>
-          <a:p>
-            <a:endParaRPr lang="en-US" dirty="0"/>
-          </a:p>
-          <a:p>
-            <a:endParaRPr lang="en-US" dirty="0"/>
-          </a:p>
-          <a:p>
-            <a:endParaRPr lang="en-US" dirty="0"/>
-          </a:p>
-          <a:p>
-            <a:r>
-              <a:rPr lang="en-US" dirty="0"/>
-              <a:t>Pre-recorded lectures of content. Useful for reviewing confusing material, when you miss part or all of a class.</a:t>
-            </a:r>
-          </a:p>
-        </p:txBody>
-      </p:sp>
-      <p:pic>
-        <p:nvPicPr>
-          <p:cNvPr id="16" name="Picture 15">
-            <a:extLst>
-              <a:ext uri="{FF2B5EF4-FFF2-40B4-BE49-F238E27FC236}">
-                <a16:creationId xmlns:a16="http://schemas.microsoft.com/office/drawing/2014/main" id="{886DF227-E112-AD76-369A-C7ACC343C905}"/>
-              </a:ext>
-            </a:extLst>
-          </p:cNvPr>
-          <p:cNvPicPr>
-            <a:picLocks noChangeAspect="1"/>
-          </p:cNvPicPr>
-          <p:nvPr/>
-        </p:nvPicPr>
-        <p:blipFill>
-          <a:blip r:embed="rId4"/>
-          <a:stretch>
-            <a:fillRect/>
-          </a:stretch>
-        </p:blipFill>
-        <p:spPr>
-          <a:xfrm>
-            <a:off x="240255" y="1317261"/>
-            <a:ext cx="3740047" cy="968405"/>
-          </a:xfrm>
-          <a:prstGeom prst="rect">
-            <a:avLst/>
-          </a:prstGeom>
-        </p:spPr>
-      </p:pic>
-      <p:sp>
-        <p:nvSpPr>
-          <p:cNvPr id="17" name="TextBox 16">
-            <a:extLst>
-              <a:ext uri="{FF2B5EF4-FFF2-40B4-BE49-F238E27FC236}">
-                <a16:creationId xmlns:a16="http://schemas.microsoft.com/office/drawing/2014/main" id="{EB7CC05C-E84E-59DE-1114-D38B01CE2D3D}"/>
-              </a:ext>
-            </a:extLst>
-          </p:cNvPr>
-          <p:cNvSpPr txBox="1"/>
-          <p:nvPr/>
-        </p:nvSpPr>
-        <p:spPr>
-          <a:xfrm>
-            <a:off x="4678053" y="5343811"/>
-            <a:ext cx="7229044" cy="1477328"/>
-          </a:xfrm>
-          <a:prstGeom prst="rect">
-            <a:avLst/>
-          </a:prstGeom>
-          <a:solidFill>
-            <a:schemeClr val="accent1">
-              <a:lumMod val="20000"/>
-              <a:lumOff val="80000"/>
-            </a:schemeClr>
-          </a:solidFill>
-          <a:ln>
-            <a:solidFill>
-              <a:schemeClr val="tx1"/>
-            </a:solidFill>
-          </a:ln>
-        </p:spPr>
-        <p:txBody>
-          <a:bodyPr wrap="square" rtlCol="0">
-            <a:spAutoFit/>
-          </a:bodyPr>
-          <a:lstStyle/>
-          <a:p>
-            <a:endParaRPr lang="en-US" dirty="0"/>
-          </a:p>
-          <a:p>
-            <a:endParaRPr lang="en-US" dirty="0"/>
-          </a:p>
-          <a:p>
-            <a:endParaRPr lang="en-US" dirty="0"/>
-          </a:p>
-          <a:p>
-            <a:endParaRPr lang="en-US" dirty="0"/>
-          </a:p>
-          <a:p>
-            <a:r>
-              <a:rPr lang="en-US" dirty="0"/>
-              <a:t>Direct link to the Moodle Quiz for the Day</a:t>
-            </a:r>
-          </a:p>
-        </p:txBody>
-      </p:sp>
-      <p:pic>
-        <p:nvPicPr>
-          <p:cNvPr id="18" name="Picture 17">
-            <a:extLst>
-              <a:ext uri="{FF2B5EF4-FFF2-40B4-BE49-F238E27FC236}">
-                <a16:creationId xmlns:a16="http://schemas.microsoft.com/office/drawing/2014/main" id="{19B249A5-C4E3-C13A-000A-1C50FE03731E}"/>
-              </a:ext>
-            </a:extLst>
-          </p:cNvPr>
-          <p:cNvPicPr>
-            <a:picLocks noChangeAspect="1"/>
-          </p:cNvPicPr>
-          <p:nvPr/>
-        </p:nvPicPr>
-        <p:blipFill>
-          <a:blip r:embed="rId5"/>
-          <a:stretch>
-            <a:fillRect/>
-          </a:stretch>
-        </p:blipFill>
-        <p:spPr>
-          <a:xfrm>
-            <a:off x="4785261" y="5540739"/>
-            <a:ext cx="4248743" cy="781159"/>
-          </a:xfrm>
-          <a:prstGeom prst="rect">
-            <a:avLst/>
-          </a:prstGeom>
-        </p:spPr>
-      </p:pic>
-    </p:spTree>
-    <p:extLst>
-      <p:ext uri="{BB962C8B-B14F-4D97-AF65-F5344CB8AC3E}">
-        <p14:creationId xmlns:p14="http://schemas.microsoft.com/office/powerpoint/2010/main" val="3678158814"/>
-      </p:ext>
-    </p:extLst>
-  </p:cSld>
-  <p:clrMapOvr>
-    <a:masterClrMapping/>
-  </p:clrMapOvr>
-</p:sld>
-</file>
-
-<file path=ppt/slides/slide20.xml><?xml version="1.0" encoding="utf-8"?>
+<file path=ppt/slides/slide22.xml><?xml version="1.0" encoding="utf-8"?>
 <p:sld xmlns:a="http://schemas.openxmlformats.org/drawingml/2006/main" xmlns:r="http://schemas.openxmlformats.org/officeDocument/2006/relationships" xmlns:p="http://schemas.openxmlformats.org/presentationml/2006/main" show="0">
   <p:cSld>
     <p:spTree>
@@ -9197,7 +9554,7 @@
 </p:sld>
 </file>
 
-<file path=ppt/slides/slide21.xml><?xml version="1.0" encoding="utf-8"?>
+<file path=ppt/slides/slide23.xml><?xml version="1.0" encoding="utf-8"?>
 <p:sld xmlns:a="http://schemas.openxmlformats.org/drawingml/2006/main" xmlns:r="http://schemas.openxmlformats.org/officeDocument/2006/relationships" xmlns:p="http://schemas.openxmlformats.org/presentationml/2006/main" show="0">
   <p:cSld>
     <p:spTree>
@@ -9298,7 +9655,7 @@
 </p:sld>
 </file>
 
-<file path=ppt/slides/slide22.xml><?xml version="1.0" encoding="utf-8"?>
+<file path=ppt/slides/slide24.xml><?xml version="1.0" encoding="utf-8"?>
 <p:sld xmlns:a="http://schemas.openxmlformats.org/drawingml/2006/main" xmlns:r="http://schemas.openxmlformats.org/officeDocument/2006/relationships" xmlns:p="http://schemas.openxmlformats.org/presentationml/2006/main" show="0">
   <p:cSld>
     <p:spTree>
@@ -9379,7 +9736,7 @@
 </p:sld>
 </file>
 
-<file path=ppt/slides/slide23.xml><?xml version="1.0" encoding="utf-8"?>
+<file path=ppt/slides/slide25.xml><?xml version="1.0" encoding="utf-8"?>
 <p:sld xmlns:a="http://schemas.openxmlformats.org/drawingml/2006/main" xmlns:r="http://schemas.openxmlformats.org/officeDocument/2006/relationships" xmlns:p="http://schemas.openxmlformats.org/presentationml/2006/main" show="0">
   <p:cSld>
     <p:spTree>
@@ -9477,7 +9834,7 @@
 </p:sld>
 </file>
 
-<file path=ppt/slides/slide24.xml><?xml version="1.0" encoding="utf-8"?>
+<file path=ppt/slides/slide26.xml><?xml version="1.0" encoding="utf-8"?>
 <p:sld xmlns:a="http://schemas.openxmlformats.org/drawingml/2006/main" xmlns:r="http://schemas.openxmlformats.org/officeDocument/2006/relationships" xmlns:p="http://schemas.openxmlformats.org/presentationml/2006/main" show="0">
   <p:cSld>
     <p:spTree>
@@ -9575,7 +9932,7 @@
 </p:sld>
 </file>
 
-<file path=ppt/slides/slide25.xml><?xml version="1.0" encoding="utf-8"?>
+<file path=ppt/slides/slide27.xml><?xml version="1.0" encoding="utf-8"?>
 <p:sld xmlns:a="http://schemas.openxmlformats.org/drawingml/2006/main" xmlns:r="http://schemas.openxmlformats.org/officeDocument/2006/relationships" xmlns:p="http://schemas.openxmlformats.org/presentationml/2006/main" show="0">
   <p:cSld>
     <p:spTree>
@@ -9670,264 +10027,6 @@
 </p:sld>
 </file>
 
-<file path=ppt/slides/slide26.xml><?xml version="1.0" encoding="utf-8"?>
-<p:sld xmlns:a="http://schemas.openxmlformats.org/drawingml/2006/main" xmlns:r="http://schemas.openxmlformats.org/officeDocument/2006/relationships" xmlns:p="http://schemas.openxmlformats.org/presentationml/2006/main" show="0">
-  <p:cSld>
-    <p:spTree>
-      <p:nvGrpSpPr>
-        <p:cNvPr id="1" name=""/>
-        <p:cNvGrpSpPr/>
-        <p:nvPr/>
-      </p:nvGrpSpPr>
-      <p:grpSpPr>
-        <a:xfrm>
-          <a:off x="0" y="0"/>
-          <a:ext cx="0" cy="0"/>
-          <a:chOff x="0" y="0"/>
-          <a:chExt cx="0" cy="0"/>
-        </a:xfrm>
-      </p:grpSpPr>
-      <p:sp>
-        <p:nvSpPr>
-          <p:cNvPr id="2" name="Title 1"/>
-          <p:cNvSpPr>
-            <a:spLocks noGrp="1"/>
-          </p:cNvSpPr>
-          <p:nvPr>
-            <p:ph type="title"/>
-          </p:nvPr>
-        </p:nvSpPr>
-        <p:spPr/>
-        <p:txBody>
-          <a:bodyPr/>
-          <a:lstStyle/>
-          <a:p>
-            <a:r>
-              <a:rPr lang="en-US" dirty="0"/>
-              <a:t>Instructor Info (continued)</a:t>
-            </a:r>
-          </a:p>
-        </p:txBody>
-      </p:sp>
-      <p:sp>
-        <p:nvSpPr>
-          <p:cNvPr id="3" name="Text Placeholder 2"/>
-          <p:cNvSpPr>
-            <a:spLocks noGrp="1"/>
-          </p:cNvSpPr>
-          <p:nvPr>
-            <p:ph type="body" idx="1"/>
-          </p:nvPr>
-        </p:nvSpPr>
-        <p:spPr>
-          <a:xfrm>
-            <a:off x="1981200" y="1371600"/>
-            <a:ext cx="8229600" cy="5486400"/>
-          </a:xfrm>
-        </p:spPr>
-        <p:txBody>
-          <a:bodyPr/>
-          <a:lstStyle/>
-          <a:p>
-            <a:r>
-              <a:rPr lang="en-US" dirty="0"/>
-              <a:t>On Campus every day</a:t>
-            </a:r>
-          </a:p>
-          <a:p>
-            <a:pPr lvl="1"/>
-            <a:r>
-              <a:rPr lang="en-US" dirty="0"/>
-              <a:t>Office Hours (F203)</a:t>
-            </a:r>
-          </a:p>
-          <a:p>
-            <a:pPr lvl="2"/>
-            <a:r>
-              <a:rPr lang="is-IS" dirty="0"/>
-              <a:t>…</a:t>
-            </a:r>
-            <a:endParaRPr lang="en-US" dirty="0"/>
-          </a:p>
-          <a:p>
-            <a:pPr lvl="1"/>
-            <a:r>
-              <a:rPr lang="en-US" dirty="0"/>
-              <a:t>Email – </a:t>
-            </a:r>
-            <a:r>
-              <a:rPr lang="en-US" dirty="0" err="1"/>
-              <a:t>wilkin@rose-hulman.edu</a:t>
-            </a:r>
-            <a:endParaRPr lang="en-US" dirty="0"/>
-          </a:p>
-          <a:p>
-            <a:pPr lvl="1"/>
-            <a:r>
-              <a:rPr lang="en-US" dirty="0"/>
-              <a:t>If you need another time, let me know and I’ll do my best</a:t>
-            </a:r>
-          </a:p>
-          <a:p>
-            <a:endParaRPr lang="en-US" dirty="0"/>
-          </a:p>
-        </p:txBody>
-      </p:sp>
-    </p:spTree>
-    <p:extLst>
-      <p:ext uri="{BB962C8B-B14F-4D97-AF65-F5344CB8AC3E}">
-        <p14:creationId xmlns:p14="http://schemas.microsoft.com/office/powerpoint/2010/main" val="4028542823"/>
-      </p:ext>
-    </p:extLst>
-  </p:cSld>
-  <p:clrMapOvr>
-    <a:masterClrMapping/>
-  </p:clrMapOvr>
-</p:sld>
-</file>
-
-<file path=ppt/slides/slide27.xml><?xml version="1.0" encoding="utf-8"?>
-<p:sld xmlns:a="http://schemas.openxmlformats.org/drawingml/2006/main" xmlns:r="http://schemas.openxmlformats.org/officeDocument/2006/relationships" xmlns:p="http://schemas.openxmlformats.org/presentationml/2006/main" show="0">
-  <p:cSld>
-    <p:spTree>
-      <p:nvGrpSpPr>
-        <p:cNvPr id="1" name=""/>
-        <p:cNvGrpSpPr/>
-        <p:nvPr/>
-      </p:nvGrpSpPr>
-      <p:grpSpPr>
-        <a:xfrm>
-          <a:off x="0" y="0"/>
-          <a:ext cx="0" cy="0"/>
-          <a:chOff x="0" y="0"/>
-          <a:chExt cx="0" cy="0"/>
-        </a:xfrm>
-      </p:grpSpPr>
-      <p:sp>
-        <p:nvSpPr>
-          <p:cNvPr id="2" name="Title 1"/>
-          <p:cNvSpPr>
-            <a:spLocks noGrp="1"/>
-          </p:cNvSpPr>
-          <p:nvPr>
-            <p:ph type="title"/>
-          </p:nvPr>
-        </p:nvSpPr>
-        <p:spPr/>
-        <p:txBody>
-          <a:bodyPr/>
-          <a:lstStyle/>
-          <a:p>
-            <a:r>
-              <a:rPr lang="en-US" dirty="0"/>
-              <a:t>Instructor Info</a:t>
-            </a:r>
-          </a:p>
-        </p:txBody>
-      </p:sp>
-      <p:sp>
-        <p:nvSpPr>
-          <p:cNvPr id="3" name="Text Placeholder 2"/>
-          <p:cNvSpPr>
-            <a:spLocks noGrp="1"/>
-          </p:cNvSpPr>
-          <p:nvPr>
-            <p:ph type="body" idx="1"/>
-          </p:nvPr>
-        </p:nvSpPr>
-        <p:spPr>
-          <a:xfrm>
-            <a:off x="1981200" y="1219200"/>
-            <a:ext cx="8229600" cy="5410200"/>
-          </a:xfrm>
-        </p:spPr>
-        <p:txBody>
-          <a:bodyPr>
-            <a:normAutofit/>
-          </a:bodyPr>
-          <a:lstStyle/>
-          <a:p>
-            <a:r>
-              <a:rPr lang="en-US" dirty="0" err="1"/>
-              <a:t>Delvin</a:t>
-            </a:r>
-            <a:r>
-              <a:rPr lang="en-US" dirty="0"/>
-              <a:t> Defoe</a:t>
-            </a:r>
-          </a:p>
-          <a:p>
-            <a:pPr lvl="1"/>
-            <a:r>
-              <a:rPr lang="en-US" dirty="0"/>
-              <a:t>PhD, Washington University in St Louis 2007</a:t>
-            </a:r>
-          </a:p>
-          <a:p>
-            <a:pPr lvl="1"/>
-            <a:r>
-              <a:rPr lang="en-US" dirty="0"/>
-              <a:t>Computer Science and Engineering</a:t>
-            </a:r>
-          </a:p>
-          <a:p>
-            <a:r>
-              <a:rPr lang="en-US" dirty="0"/>
-              <a:t>Tenured Associate Professor</a:t>
-            </a:r>
-          </a:p>
-          <a:p>
-            <a:pPr lvl="1"/>
-            <a:r>
-              <a:rPr lang="en-US" dirty="0"/>
-              <a:t>Fall 2013</a:t>
-            </a:r>
-          </a:p>
-          <a:p>
-            <a:r>
-              <a:rPr lang="en-US" dirty="0"/>
-              <a:t>SEP</a:t>
-            </a:r>
-          </a:p>
-          <a:p>
-            <a:pPr lvl="1"/>
-            <a:r>
-              <a:rPr lang="en-US" dirty="0"/>
-              <a:t>June 2014 – July 2015</a:t>
-            </a:r>
-          </a:p>
-          <a:p>
-            <a:r>
-              <a:rPr lang="en-US" dirty="0"/>
-              <a:t>Christian</a:t>
-            </a:r>
-          </a:p>
-          <a:p>
-            <a:pPr lvl="1"/>
-            <a:r>
-              <a:rPr lang="en-US" dirty="0" err="1"/>
-              <a:t>Knightsville</a:t>
-            </a:r>
-            <a:r>
-              <a:rPr lang="en-US" dirty="0"/>
-              <a:t> Church of Christ</a:t>
-            </a:r>
-          </a:p>
-        </p:txBody>
-      </p:sp>
-    </p:spTree>
-    <p:extLst>
-      <p:ext uri="{BB962C8B-B14F-4D97-AF65-F5344CB8AC3E}">
-        <p14:creationId xmlns:p14="http://schemas.microsoft.com/office/powerpoint/2010/main" val="1058389290"/>
-      </p:ext>
-    </p:extLst>
-  </p:cSld>
-  <p:clrMapOvr>
-    <a:masterClrMapping/>
-  </p:clrMapOvr>
-</p:sld>
-</file>
-
 <file path=ppt/slides/slide28.xml><?xml version="1.0" encoding="utf-8"?>
 <p:sld xmlns:a="http://schemas.openxmlformats.org/drawingml/2006/main" xmlns:r="http://schemas.openxmlformats.org/officeDocument/2006/relationships" xmlns:p="http://schemas.openxmlformats.org/presentationml/2006/main" show="0">
   <p:cSld>
@@ -9989,65 +10088,35 @@
           <a:p>
             <a:r>
               <a:rPr lang="en-US" dirty="0"/>
-              <a:t>On Campus Mon., Tues., </a:t>
+              <a:t>On Campus every day</a:t>
+            </a:r>
+          </a:p>
+          <a:p>
+            <a:pPr lvl="1"/>
+            <a:r>
+              <a:rPr lang="en-US" dirty="0"/>
+              <a:t>Office Hours (F203)</a:t>
+            </a:r>
+          </a:p>
+          <a:p>
+            <a:pPr lvl="2"/>
+            <a:r>
+              <a:rPr lang="is-IS" dirty="0"/>
+              <a:t>…</a:t>
+            </a:r>
+            <a:endParaRPr lang="en-US" dirty="0"/>
+          </a:p>
+          <a:p>
+            <a:pPr lvl="1"/>
+            <a:r>
+              <a:rPr lang="en-US" dirty="0"/>
+              <a:t>Email – </a:t>
             </a:r>
             <a:r>
               <a:rPr lang="en-US" dirty="0" err="1"/>
-              <a:t>Wednes</a:t>
-            </a:r>
-            <a:r>
-              <a:rPr lang="en-US" dirty="0"/>
-              <a:t>., Fri.</a:t>
-            </a:r>
-          </a:p>
-          <a:p>
-            <a:pPr lvl="1"/>
-            <a:r>
-              <a:rPr lang="en-US" dirty="0"/>
-              <a:t>Office Hours (M240D)</a:t>
-            </a:r>
-          </a:p>
-          <a:p>
-            <a:pPr lvl="2"/>
-            <a:r>
-              <a:rPr lang="en-US" dirty="0"/>
-              <a:t>See my schedule page </a:t>
-            </a:r>
-          </a:p>
-          <a:p>
-            <a:pPr lvl="2"/>
-            <a:r>
-              <a:rPr lang="en-US" dirty="0"/>
-              <a:t>http://</a:t>
-            </a:r>
-            <a:r>
-              <a:rPr lang="en-US" dirty="0" err="1"/>
-              <a:t>www.rose-hulman.edu</a:t>
-            </a:r>
-            <a:r>
-              <a:rPr lang="en-US" dirty="0"/>
-              <a:t>/~</a:t>
-            </a:r>
-            <a:r>
-              <a:rPr lang="en-US" dirty="0" err="1"/>
-              <a:t>defoe</a:t>
-            </a:r>
-            <a:r>
-              <a:rPr lang="en-US" dirty="0"/>
-              <a:t>/</a:t>
-            </a:r>
-            <a:r>
-              <a:rPr lang="en-US" dirty="0" err="1"/>
-              <a:t>schedule.html</a:t>
+              <a:t>wilkin@rose-hulman.edu</a:t>
             </a:r>
             <a:endParaRPr lang="en-US" dirty="0"/>
-          </a:p>
-          <a:p>
-            <a:pPr lvl="1"/>
-            <a:r>
-              <a:rPr lang="en-US" dirty="0"/>
-              <a:t>Email – Always by my phone/computer</a:t>
-            </a:r>
           </a:p>
           <a:p>
             <a:pPr lvl="1"/>
@@ -10064,7 +10133,149 @@
     </p:spTree>
     <p:extLst>
       <p:ext uri="{BB962C8B-B14F-4D97-AF65-F5344CB8AC3E}">
-        <p14:creationId xmlns:p14="http://schemas.microsoft.com/office/powerpoint/2010/main" val="197903297"/>
+        <p14:creationId xmlns:p14="http://schemas.microsoft.com/office/powerpoint/2010/main" val="4028542823"/>
+      </p:ext>
+    </p:extLst>
+  </p:cSld>
+  <p:clrMapOvr>
+    <a:masterClrMapping/>
+  </p:clrMapOvr>
+</p:sld>
+</file>
+
+<file path=ppt/slides/slide29.xml><?xml version="1.0" encoding="utf-8"?>
+<p:sld xmlns:a="http://schemas.openxmlformats.org/drawingml/2006/main" xmlns:r="http://schemas.openxmlformats.org/officeDocument/2006/relationships" xmlns:p="http://schemas.openxmlformats.org/presentationml/2006/main" show="0">
+  <p:cSld>
+    <p:spTree>
+      <p:nvGrpSpPr>
+        <p:cNvPr id="1" name=""/>
+        <p:cNvGrpSpPr/>
+        <p:nvPr/>
+      </p:nvGrpSpPr>
+      <p:grpSpPr>
+        <a:xfrm>
+          <a:off x="0" y="0"/>
+          <a:ext cx="0" cy="0"/>
+          <a:chOff x="0" y="0"/>
+          <a:chExt cx="0" cy="0"/>
+        </a:xfrm>
+      </p:grpSpPr>
+      <p:sp>
+        <p:nvSpPr>
+          <p:cNvPr id="2" name="Title 1"/>
+          <p:cNvSpPr>
+            <a:spLocks noGrp="1"/>
+          </p:cNvSpPr>
+          <p:nvPr>
+            <p:ph type="title"/>
+          </p:nvPr>
+        </p:nvSpPr>
+        <p:spPr/>
+        <p:txBody>
+          <a:bodyPr/>
+          <a:lstStyle/>
+          <a:p>
+            <a:r>
+              <a:rPr lang="en-US" dirty="0"/>
+              <a:t>Instructor Info</a:t>
+            </a:r>
+          </a:p>
+        </p:txBody>
+      </p:sp>
+      <p:sp>
+        <p:nvSpPr>
+          <p:cNvPr id="3" name="Text Placeholder 2"/>
+          <p:cNvSpPr>
+            <a:spLocks noGrp="1"/>
+          </p:cNvSpPr>
+          <p:nvPr>
+            <p:ph type="body" idx="1"/>
+          </p:nvPr>
+        </p:nvSpPr>
+        <p:spPr>
+          <a:xfrm>
+            <a:off x="1981200" y="1219200"/>
+            <a:ext cx="8229600" cy="5410200"/>
+          </a:xfrm>
+        </p:spPr>
+        <p:txBody>
+          <a:bodyPr>
+            <a:normAutofit/>
+          </a:bodyPr>
+          <a:lstStyle/>
+          <a:p>
+            <a:r>
+              <a:rPr lang="en-US" dirty="0" err="1"/>
+              <a:t>Delvin</a:t>
+            </a:r>
+            <a:r>
+              <a:rPr lang="en-US" dirty="0"/>
+              <a:t> Defoe</a:t>
+            </a:r>
+          </a:p>
+          <a:p>
+            <a:pPr lvl="1"/>
+            <a:r>
+              <a:rPr lang="en-US" dirty="0"/>
+              <a:t>PhD, Washington University in St Louis 2007</a:t>
+            </a:r>
+          </a:p>
+          <a:p>
+            <a:pPr lvl="1"/>
+            <a:r>
+              <a:rPr lang="en-US" dirty="0"/>
+              <a:t>Computer Science and Engineering</a:t>
+            </a:r>
+          </a:p>
+          <a:p>
+            <a:r>
+              <a:rPr lang="en-US" dirty="0"/>
+              <a:t>Tenured Associate Professor</a:t>
+            </a:r>
+          </a:p>
+          <a:p>
+            <a:pPr lvl="1"/>
+            <a:r>
+              <a:rPr lang="en-US" dirty="0"/>
+              <a:t>Fall 2013</a:t>
+            </a:r>
+          </a:p>
+          <a:p>
+            <a:r>
+              <a:rPr lang="en-US" dirty="0"/>
+              <a:t>SEP</a:t>
+            </a:r>
+          </a:p>
+          <a:p>
+            <a:pPr lvl="1"/>
+            <a:r>
+              <a:rPr lang="en-US" dirty="0"/>
+              <a:t>June 2014 – July 2015</a:t>
+            </a:r>
+          </a:p>
+          <a:p>
+            <a:r>
+              <a:rPr lang="en-US" dirty="0"/>
+              <a:t>Christian</a:t>
+            </a:r>
+          </a:p>
+          <a:p>
+            <a:pPr lvl="1"/>
+            <a:r>
+              <a:rPr lang="en-US" dirty="0" err="1"/>
+              <a:t>Knightsville</a:t>
+            </a:r>
+            <a:r>
+              <a:rPr lang="en-US" dirty="0"/>
+              <a:t> Church of Christ</a:t>
+            </a:r>
+          </a:p>
+        </p:txBody>
+      </p:sp>
+    </p:spTree>
+    <p:extLst>
+      <p:ext uri="{BB962C8B-B14F-4D97-AF65-F5344CB8AC3E}">
+        <p14:creationId xmlns:p14="http://schemas.microsoft.com/office/powerpoint/2010/main" val="1058389290"/>
       </p:ext>
     </p:extLst>
   </p:cSld>
@@ -10197,6 +10408,152 @@
     <p:extLst>
       <p:ext uri="{BB962C8B-B14F-4D97-AF65-F5344CB8AC3E}">
         <p14:creationId xmlns:p14="http://schemas.microsoft.com/office/powerpoint/2010/main" val="433860932"/>
+      </p:ext>
+    </p:extLst>
+  </p:cSld>
+  <p:clrMapOvr>
+    <a:masterClrMapping/>
+  </p:clrMapOvr>
+</p:sld>
+</file>
+
+<file path=ppt/slides/slide30.xml><?xml version="1.0" encoding="utf-8"?>
+<p:sld xmlns:a="http://schemas.openxmlformats.org/drawingml/2006/main" xmlns:r="http://schemas.openxmlformats.org/officeDocument/2006/relationships" xmlns:p="http://schemas.openxmlformats.org/presentationml/2006/main" show="0">
+  <p:cSld>
+    <p:spTree>
+      <p:nvGrpSpPr>
+        <p:cNvPr id="1" name=""/>
+        <p:cNvGrpSpPr/>
+        <p:nvPr/>
+      </p:nvGrpSpPr>
+      <p:grpSpPr>
+        <a:xfrm>
+          <a:off x="0" y="0"/>
+          <a:ext cx="0" cy="0"/>
+          <a:chOff x="0" y="0"/>
+          <a:chExt cx="0" cy="0"/>
+        </a:xfrm>
+      </p:grpSpPr>
+      <p:sp>
+        <p:nvSpPr>
+          <p:cNvPr id="2" name="Title 1"/>
+          <p:cNvSpPr>
+            <a:spLocks noGrp="1"/>
+          </p:cNvSpPr>
+          <p:nvPr>
+            <p:ph type="title"/>
+          </p:nvPr>
+        </p:nvSpPr>
+        <p:spPr/>
+        <p:txBody>
+          <a:bodyPr/>
+          <a:lstStyle/>
+          <a:p>
+            <a:r>
+              <a:rPr lang="en-US" dirty="0"/>
+              <a:t>Instructor Info (continued)</a:t>
+            </a:r>
+          </a:p>
+        </p:txBody>
+      </p:sp>
+      <p:sp>
+        <p:nvSpPr>
+          <p:cNvPr id="3" name="Text Placeholder 2"/>
+          <p:cNvSpPr>
+            <a:spLocks noGrp="1"/>
+          </p:cNvSpPr>
+          <p:nvPr>
+            <p:ph type="body" idx="1"/>
+          </p:nvPr>
+        </p:nvSpPr>
+        <p:spPr>
+          <a:xfrm>
+            <a:off x="1981200" y="1371600"/>
+            <a:ext cx="8229600" cy="5486400"/>
+          </a:xfrm>
+        </p:spPr>
+        <p:txBody>
+          <a:bodyPr/>
+          <a:lstStyle/>
+          <a:p>
+            <a:r>
+              <a:rPr lang="en-US" dirty="0"/>
+              <a:t>On Campus Mon., Tues., </a:t>
+            </a:r>
+            <a:r>
+              <a:rPr lang="en-US" dirty="0" err="1"/>
+              <a:t>Wednes</a:t>
+            </a:r>
+            <a:r>
+              <a:rPr lang="en-US" dirty="0"/>
+              <a:t>., Fri.</a:t>
+            </a:r>
+          </a:p>
+          <a:p>
+            <a:pPr lvl="1"/>
+            <a:r>
+              <a:rPr lang="en-US" dirty="0"/>
+              <a:t>Office Hours (M240D)</a:t>
+            </a:r>
+          </a:p>
+          <a:p>
+            <a:pPr lvl="2"/>
+            <a:r>
+              <a:rPr lang="en-US" dirty="0"/>
+              <a:t>See my schedule page </a:t>
+            </a:r>
+          </a:p>
+          <a:p>
+            <a:pPr lvl="2"/>
+            <a:r>
+              <a:rPr lang="en-US" dirty="0"/>
+              <a:t>http://</a:t>
+            </a:r>
+            <a:r>
+              <a:rPr lang="en-US" dirty="0" err="1"/>
+              <a:t>www.rose-hulman.edu</a:t>
+            </a:r>
+            <a:r>
+              <a:rPr lang="en-US" dirty="0"/>
+              <a:t>/~</a:t>
+            </a:r>
+            <a:r>
+              <a:rPr lang="en-US" dirty="0" err="1"/>
+              <a:t>defoe</a:t>
+            </a:r>
+            <a:r>
+              <a:rPr lang="en-US" dirty="0"/>
+              <a:t>/</a:t>
+            </a:r>
+            <a:r>
+              <a:rPr lang="en-US" dirty="0" err="1"/>
+              <a:t>schedule.html</a:t>
+            </a:r>
+            <a:endParaRPr lang="en-US" dirty="0"/>
+          </a:p>
+          <a:p>
+            <a:pPr lvl="1"/>
+            <a:r>
+              <a:rPr lang="en-US" dirty="0"/>
+              <a:t>Email – Always by my phone/computer</a:t>
+            </a:r>
+          </a:p>
+          <a:p>
+            <a:pPr lvl="1"/>
+            <a:r>
+              <a:rPr lang="en-US" dirty="0"/>
+              <a:t>If you need another time, let me know and I’ll do my best</a:t>
+            </a:r>
+          </a:p>
+          <a:p>
+            <a:endParaRPr lang="en-US" dirty="0"/>
+          </a:p>
+        </p:txBody>
+      </p:sp>
+    </p:spTree>
+    <p:extLst>
+      <p:ext uri="{BB962C8B-B14F-4D97-AF65-F5344CB8AC3E}">
+        <p14:creationId xmlns:p14="http://schemas.microsoft.com/office/powerpoint/2010/main" val="197903297"/>
       </p:ext>
     </p:extLst>
   </p:cSld>
@@ -10726,7 +11083,13 @@
   <p:cSld>
     <p:spTree>
       <p:nvGrpSpPr>
-        <p:cNvPr id="1" name=""/>
+        <p:cNvPr id="1" name="">
+          <a:extLst>
+            <a:ext uri="{FF2B5EF4-FFF2-40B4-BE49-F238E27FC236}">
+              <a16:creationId xmlns:a16="http://schemas.microsoft.com/office/drawing/2014/main" id="{A653EFC6-77D0-4B86-3D3D-6A7FB9B0C87B}"/>
+            </a:ext>
+          </a:extLst>
+        </p:cNvPr>
         <p:cNvGrpSpPr/>
         <p:nvPr/>
       </p:nvGrpSpPr>
@@ -10740,7 +11103,13 @@
       </p:grpSpPr>
       <p:sp>
         <p:nvSpPr>
-          <p:cNvPr id="2" name="Title 1"/>
+          <p:cNvPr id="2" name="Title 1">
+            <a:extLst>
+              <a:ext uri="{FF2B5EF4-FFF2-40B4-BE49-F238E27FC236}">
+                <a16:creationId xmlns:a16="http://schemas.microsoft.com/office/drawing/2014/main" id="{9178C971-E38A-7338-4DBA-E2221A73AA91}"/>
+              </a:ext>
+            </a:extLst>
+          </p:cNvPr>
           <p:cNvSpPr>
             <a:spLocks noGrp="1"/>
           </p:cNvSpPr>
@@ -10753,16 +11122,23 @@
           <a:bodyPr/>
           <a:lstStyle/>
           <a:p>
-            <a:r>
-              <a:rPr lang="en-US" dirty="0"/>
-              <a:t>Agenda</a:t>
-            </a:r>
-          </a:p>
-        </p:txBody>
-      </p:sp>
-      <p:sp>
-        <p:nvSpPr>
-          <p:cNvPr id="3" name="Text Placeholder 2"/>
+            <a:pPr algn="ctr"/>
+            <a:r>
+              <a:rPr lang="en-US" dirty="0"/>
+              <a:t>Advice from Former Students</a:t>
+            </a:r>
+          </a:p>
+        </p:txBody>
+      </p:sp>
+      <p:sp>
+        <p:nvSpPr>
+          <p:cNvPr id="3" name="Text Placeholder 2">
+            <a:extLst>
+              <a:ext uri="{FF2B5EF4-FFF2-40B4-BE49-F238E27FC236}">
+                <a16:creationId xmlns:a16="http://schemas.microsoft.com/office/drawing/2014/main" id="{906B9681-2959-9EA2-8847-FA2B2D16953E}"/>
+              </a:ext>
+            </a:extLst>
+          </p:cNvPr>
           <p:cNvSpPr>
             <a:spLocks noGrp="1"/>
           </p:cNvSpPr>
@@ -10770,60 +11146,190 @@
             <p:ph type="body" idx="1"/>
           </p:nvPr>
         </p:nvSpPr>
-        <p:spPr/>
-        <p:txBody>
-          <a:bodyPr vert="horz" lIns="34289" tIns="34290" rIns="34289" bIns="34290" rtlCol="0" anchor="t">
-            <a:normAutofit/>
+        <p:spPr>
+          <a:xfrm>
+            <a:off x="520976" y="1582903"/>
+            <a:ext cx="10617797" cy="1243871"/>
+          </a:xfrm>
+        </p:spPr>
+        <p:txBody>
+          <a:bodyPr/>
+          <a:lstStyle/>
+          <a:p>
+            <a:pPr marL="0" indent="0">
+              <a:buNone/>
+            </a:pPr>
+            <a:r>
+              <a:rPr lang="en-US" dirty="0">
+                <a:hlinkClick r:id="rId3"/>
+              </a:rPr>
+              <a:t>https://docs.google.com/document/d/1gWrR8fe7Qs5B9MgRkFW4wBa-tnRdFXGTDRnqi2ps1i4/edit</a:t>
+            </a:r>
+            <a:endParaRPr lang="en-US" dirty="0"/>
+          </a:p>
+          <a:p>
+            <a:pPr marL="514350" indent="-514350">
+              <a:buFont typeface="+mj-lt"/>
+              <a:buAutoNum type="arabicPeriod"/>
+            </a:pPr>
+            <a:endParaRPr lang="en-US" dirty="0"/>
+          </a:p>
+        </p:txBody>
+      </p:sp>
+      <p:sp>
+        <p:nvSpPr>
+          <p:cNvPr id="4" name="Slide Number Placeholder 3">
+            <a:extLst>
+              <a:ext uri="{FF2B5EF4-FFF2-40B4-BE49-F238E27FC236}">
+                <a16:creationId xmlns:a16="http://schemas.microsoft.com/office/drawing/2014/main" id="{4AB1FB46-25E8-E15D-F83C-A6C649FA6164}"/>
+              </a:ext>
+            </a:extLst>
+          </p:cNvPr>
+          <p:cNvSpPr>
+            <a:spLocks noGrp="1"/>
+          </p:cNvSpPr>
+          <p:nvPr>
+            <p:ph type="sldNum" sz="quarter" idx="2"/>
+          </p:nvPr>
+        </p:nvSpPr>
+        <p:spPr>
+          <a:xfrm>
+            <a:off x="6553200" y="6406785"/>
+            <a:ext cx="2133600" cy="264255"/>
+          </a:xfrm>
+          <a:prstGeom prst="rect">
+            <a:avLst/>
+          </a:prstGeom>
+          <a:ln w="12700">
+            <a:miter lim="400000"/>
+          </a:ln>
+        </p:spPr>
+        <p:txBody>
+          <a:bodyPr lIns="45719" rIns="45719" anchor="ctr">
+            <a:spAutoFit/>
           </a:bodyPr>
-          <a:lstStyle/>
-          <a:p>
-            <a:r>
-              <a:rPr lang="en-US" dirty="0"/>
-              <a:t>Instructor intro</a:t>
-            </a:r>
-          </a:p>
-          <a:p>
-            <a:r>
-              <a:rPr lang="en-US" dirty="0"/>
-              <a:t>Critical logistics</a:t>
-            </a:r>
-          </a:p>
-          <a:p>
-            <a:r>
-              <a:rPr lang="en-US" dirty="0"/>
-              <a:t>We write some java code</a:t>
-            </a:r>
-          </a:p>
-          <a:p>
-            <a:pPr marL="587693" lvl="1" indent="-244793"/>
-            <a:r>
-              <a:rPr lang="en-US" dirty="0"/>
-              <a:t>Conditionals</a:t>
-            </a:r>
-          </a:p>
-          <a:p>
-            <a:pPr marL="587693" lvl="1" indent="-244793"/>
-            <a:r>
-              <a:rPr lang="en-US" dirty="0"/>
-              <a:t>Strings</a:t>
-            </a:r>
-          </a:p>
-          <a:p>
-            <a:pPr marL="587693" lvl="1" indent="-244793"/>
-            <a:r>
-              <a:rPr lang="en-US" dirty="0"/>
-              <a:t>Loops</a:t>
-            </a:r>
-          </a:p>
-          <a:p>
-            <a:endParaRPr lang="en-US" dirty="0"/>
-          </a:p>
-        </p:txBody>
-      </p:sp>
+          <a:lstStyle>
+            <a:lvl1pPr algn="r">
+              <a:defRPr sz="1200">
+                <a:solidFill>
+                  <a:srgbClr val="888888"/>
+                </a:solidFill>
+                <a:latin typeface="Arial"/>
+                <a:ea typeface="Arial"/>
+                <a:cs typeface="Arial"/>
+                <a:sym typeface="Arial"/>
+              </a:defRPr>
+            </a:lvl1pPr>
+            <a:lvl2pPr indent="457200">
+              <a:defRPr>
+                <a:latin typeface="Calibri"/>
+                <a:ea typeface="Calibri"/>
+                <a:cs typeface="Calibri"/>
+                <a:sym typeface="Calibri"/>
+              </a:defRPr>
+            </a:lvl2pPr>
+            <a:lvl3pPr indent="914400">
+              <a:defRPr>
+                <a:latin typeface="Calibri"/>
+                <a:ea typeface="Calibri"/>
+                <a:cs typeface="Calibri"/>
+                <a:sym typeface="Calibri"/>
+              </a:defRPr>
+            </a:lvl3pPr>
+            <a:lvl4pPr indent="1371600">
+              <a:defRPr>
+                <a:latin typeface="Calibri"/>
+                <a:ea typeface="Calibri"/>
+                <a:cs typeface="Calibri"/>
+                <a:sym typeface="Calibri"/>
+              </a:defRPr>
+            </a:lvl4pPr>
+            <a:lvl5pPr indent="1828800">
+              <a:defRPr>
+                <a:latin typeface="Calibri"/>
+                <a:ea typeface="Calibri"/>
+                <a:cs typeface="Calibri"/>
+                <a:sym typeface="Calibri"/>
+              </a:defRPr>
+            </a:lvl5pPr>
+            <a:lvl6pPr indent="2286000">
+              <a:defRPr>
+                <a:latin typeface="Calibri"/>
+                <a:ea typeface="Calibri"/>
+                <a:cs typeface="Calibri"/>
+                <a:sym typeface="Calibri"/>
+              </a:defRPr>
+            </a:lvl6pPr>
+            <a:lvl7pPr indent="2743200">
+              <a:defRPr>
+                <a:latin typeface="Calibri"/>
+                <a:ea typeface="Calibri"/>
+                <a:cs typeface="Calibri"/>
+                <a:sym typeface="Calibri"/>
+              </a:defRPr>
+            </a:lvl7pPr>
+            <a:lvl8pPr indent="3200400">
+              <a:defRPr>
+                <a:latin typeface="Calibri"/>
+                <a:ea typeface="Calibri"/>
+                <a:cs typeface="Calibri"/>
+                <a:sym typeface="Calibri"/>
+              </a:defRPr>
+            </a:lvl8pPr>
+            <a:lvl9pPr indent="3657600">
+              <a:defRPr>
+                <a:latin typeface="Calibri"/>
+                <a:ea typeface="Calibri"/>
+                <a:cs typeface="Calibri"/>
+                <a:sym typeface="Calibri"/>
+              </a:defRPr>
+            </a:lvl9pPr>
+          </a:lstStyle>
+          <a:p>
+            <a:pPr lvl="0"/>
+            <a:fld id="{86CB4B4D-7CA3-9044-876B-883B54F8677D}" type="slidenum">
+              <a:rPr lang="en-US" smtClean="0"/>
+              <a:pPr/>
+              <a:t>7</a:t>
+            </a:fld>
+            <a:endParaRPr lang="en-US"/>
+          </a:p>
+        </p:txBody>
+      </p:sp>
+      <p:pic>
+        <p:nvPicPr>
+          <p:cNvPr id="6" name="Picture 5">
+            <a:extLst>
+              <a:ext uri="{FF2B5EF4-FFF2-40B4-BE49-F238E27FC236}">
+                <a16:creationId xmlns:a16="http://schemas.microsoft.com/office/drawing/2014/main" id="{0C29FCB7-0C1D-946E-4453-D026808DEB13}"/>
+              </a:ext>
+            </a:extLst>
+          </p:cNvPr>
+          <p:cNvPicPr>
+            <a:picLocks noChangeAspect="1"/>
+          </p:cNvPicPr>
+          <p:nvPr/>
+        </p:nvPicPr>
+        <p:blipFill>
+          <a:blip r:embed="rId4"/>
+          <a:stretch>
+            <a:fillRect/>
+          </a:stretch>
+        </p:blipFill>
+        <p:spPr>
+          <a:xfrm>
+            <a:off x="1717978" y="2421926"/>
+            <a:ext cx="7813297" cy="4331665"/>
+          </a:xfrm>
+          <a:prstGeom prst="rect">
+            <a:avLst/>
+          </a:prstGeom>
+        </p:spPr>
+      </p:pic>
     </p:spTree>
     <p:extLst>
       <p:ext uri="{BB962C8B-B14F-4D97-AF65-F5344CB8AC3E}">
-        <p14:creationId xmlns:p14="http://schemas.microsoft.com/office/powerpoint/2010/main" val="3228078981"/>
+        <p14:creationId xmlns:p14="http://schemas.microsoft.com/office/powerpoint/2010/main" val="4122208301"/>
       </p:ext>
     </p:extLst>
   </p:cSld>
@@ -10834,7 +11340,7 @@
 </file>
 
 <file path=ppt/slides/slide8.xml><?xml version="1.0" encoding="utf-8"?>
-<p:sld xmlns:a="http://schemas.openxmlformats.org/drawingml/2006/main" xmlns:r="http://schemas.openxmlformats.org/officeDocument/2006/relationships" xmlns:p="http://schemas.openxmlformats.org/presentationml/2006/main" show="0">
+<p:sld xmlns:a="http://schemas.openxmlformats.org/drawingml/2006/main" xmlns:r="http://schemas.openxmlformats.org/officeDocument/2006/relationships" xmlns:p="http://schemas.openxmlformats.org/presentationml/2006/main">
   <p:cSld>
     <p:spTree>
       <p:nvGrpSpPr>
@@ -10867,7 +11373,7 @@
           <a:p>
             <a:r>
               <a:rPr lang="en-US" dirty="0"/>
-              <a:t>Instructor Info</a:t>
+              <a:t>Agenda</a:t>
             </a:r>
           </a:p>
         </p:txBody>
@@ -10882,78 +11388,60 @@
             <p:ph type="body" idx="1"/>
           </p:nvPr>
         </p:nvSpPr>
-        <p:spPr>
-          <a:xfrm>
-            <a:off x="2133600" y="1771650"/>
-            <a:ext cx="8229600" cy="4114800"/>
-          </a:xfrm>
-        </p:spPr>
-        <p:txBody>
-          <a:bodyPr>
+        <p:spPr/>
+        <p:txBody>
+          <a:bodyPr vert="horz" lIns="34289" tIns="34290" rIns="34289" bIns="34290" rtlCol="0" anchor="t">
             <a:normAutofit/>
           </a:bodyPr>
           <a:lstStyle/>
           <a:p>
             <a:r>
               <a:rPr lang="en-US" dirty="0"/>
-              <a:t>Jason Yoder</a:t>
-            </a:r>
-          </a:p>
-          <a:p>
-            <a:pPr lvl="1"/>
-            <a:r>
-              <a:rPr lang="en-US" dirty="0"/>
-              <a:t>Feel free to call me:</a:t>
-            </a:r>
-          </a:p>
-          <a:p>
-            <a:pPr lvl="2"/>
-            <a:r>
-              <a:rPr lang="en-US" dirty="0"/>
-              <a:t>Dr. Yoder</a:t>
-            </a:r>
-          </a:p>
-          <a:p>
-            <a:pPr lvl="2"/>
-            <a:r>
-              <a:rPr lang="en-US" dirty="0"/>
-              <a:t>Jason (if you prefer first name)</a:t>
-            </a:r>
-          </a:p>
-          <a:p>
-            <a:pPr lvl="1"/>
-            <a:r>
-              <a:rPr lang="en-US" dirty="0"/>
-              <a:t>Degree from Indiana University: </a:t>
-            </a:r>
-          </a:p>
-          <a:p>
-            <a:pPr lvl="2"/>
-            <a:r>
-              <a:rPr lang="en-US" dirty="0"/>
-              <a:t>Computer Science, Cognitive Science</a:t>
-            </a:r>
-          </a:p>
-          <a:p>
-            <a:pPr lvl="1"/>
-            <a:r>
-              <a:rPr lang="en-US" dirty="0"/>
-              <a:t>Only on campus Mon, Tue, Thu (normally)</a:t>
-            </a:r>
-          </a:p>
-          <a:p>
-            <a:pPr lvl="1"/>
-            <a:r>
-              <a:rPr lang="en-US" dirty="0"/>
-              <a:t>Piazza/Email/Teams anytime!</a:t>
-            </a:r>
+              <a:t>Instructor intro</a:t>
+            </a:r>
+          </a:p>
+          <a:p>
+            <a:r>
+              <a:rPr lang="en-US" dirty="0"/>
+              <a:t>Critical logistics</a:t>
+            </a:r>
+          </a:p>
+          <a:p>
+            <a:r>
+              <a:rPr lang="en-US" dirty="0"/>
+              <a:t>We write some java code</a:t>
+            </a:r>
+          </a:p>
+          <a:p>
+            <a:pPr marL="587693" lvl="1" indent="-244793"/>
+            <a:r>
+              <a:rPr lang="en-US" dirty="0"/>
+              <a:t>Conditionals</a:t>
+            </a:r>
+          </a:p>
+          <a:p>
+            <a:pPr marL="587693" lvl="1" indent="-244793"/>
+            <a:r>
+              <a:rPr lang="en-US" dirty="0"/>
+              <a:t>Strings</a:t>
+            </a:r>
+          </a:p>
+          <a:p>
+            <a:pPr marL="587693" lvl="1" indent="-244793"/>
+            <a:r>
+              <a:rPr lang="en-US" dirty="0"/>
+              <a:t>Loops</a:t>
+            </a:r>
+          </a:p>
+          <a:p>
+            <a:endParaRPr lang="en-US" dirty="0"/>
           </a:p>
         </p:txBody>
       </p:sp>
     </p:spTree>
     <p:extLst>
       <p:ext uri="{BB962C8B-B14F-4D97-AF65-F5344CB8AC3E}">
-        <p14:creationId xmlns:p14="http://schemas.microsoft.com/office/powerpoint/2010/main" val="2804563072"/>
+        <p14:creationId xmlns:p14="http://schemas.microsoft.com/office/powerpoint/2010/main" val="3228078981"/>
       </p:ext>
     </p:extLst>
   </p:cSld>
@@ -10982,7 +11470,13 @@
       </p:grpSpPr>
       <p:sp>
         <p:nvSpPr>
-          <p:cNvPr id="2" name="Title 1"/>
+          <p:cNvPr id="2" name="Title 1">
+            <a:extLst>
+              <a:ext uri="{FF2B5EF4-FFF2-40B4-BE49-F238E27FC236}">
+                <a16:creationId xmlns:a16="http://schemas.microsoft.com/office/drawing/2014/main" id="{AEFC6964-9B4F-B821-1AB7-600D953BA0E0}"/>
+              </a:ext>
+            </a:extLst>
+          </p:cNvPr>
           <p:cNvSpPr>
             <a:spLocks noGrp="1"/>
           </p:cNvSpPr>
@@ -10997,99 +11491,65 @@
           <a:p>
             <a:r>
               <a:rPr lang="en-US" dirty="0"/>
-              <a:t>Instructor Info</a:t>
-            </a:r>
-          </a:p>
-        </p:txBody>
-      </p:sp>
-      <p:sp>
-        <p:nvSpPr>
-          <p:cNvPr id="3" name="Text Placeholder 2"/>
-          <p:cNvSpPr>
-            <a:spLocks noGrp="1"/>
-          </p:cNvSpPr>
-          <p:nvPr>
-            <p:ph type="body" idx="1"/>
-          </p:nvPr>
-        </p:nvSpPr>
-        <p:spPr>
-          <a:xfrm>
-            <a:off x="1981200" y="1771650"/>
-            <a:ext cx="8229600" cy="4095750"/>
-          </a:xfrm>
-        </p:spPr>
-        <p:txBody>
-          <a:bodyPr>
-            <a:normAutofit/>
-          </a:bodyPr>
-          <a:lstStyle/>
-          <a:p>
-            <a:endParaRPr lang="en-US" dirty="0"/>
-          </a:p>
-          <a:p>
-            <a:r>
-              <a:rPr lang="en-US" dirty="0"/>
-              <a:t>Meetings with me 1 on 1</a:t>
-            </a:r>
-          </a:p>
-          <a:p>
-            <a:pPr lvl="1"/>
-            <a:r>
-              <a:rPr lang="en-US" b="1" dirty="0" err="1"/>
-              <a:t>Calendly</a:t>
-            </a:r>
-            <a:r>
-              <a:rPr lang="en-US" dirty="0"/>
-              <a:t>: a service to schedule </a:t>
-            </a:r>
-          </a:p>
-          <a:p>
-            <a:pPr lvl="1"/>
-            <a:r>
-              <a:rPr lang="en-US" dirty="0"/>
-              <a:t>appointments (in my email signature)</a:t>
-            </a:r>
-          </a:p>
-          <a:p>
-            <a:pPr lvl="1"/>
-            <a:r>
-              <a:rPr lang="en-US" dirty="0"/>
-              <a:t>Helps me plan my time effectively</a:t>
-            </a:r>
-          </a:p>
-          <a:p>
-            <a:pPr lvl="1"/>
-            <a:r>
-              <a:rPr lang="en-US" dirty="0"/>
-              <a:t>Email me if you can’t find a time and we can discuss options:</a:t>
-            </a:r>
-          </a:p>
-          <a:p>
-            <a:pPr lvl="2"/>
-            <a:r>
-              <a:rPr lang="en-US" dirty="0"/>
-              <a:t>Wednesdays/Fridays: Teams</a:t>
+              <a:t>Let’s get to know each other</a:t>
             </a:r>
           </a:p>
         </p:txBody>
       </p:sp>
       <p:pic>
         <p:nvPicPr>
-          <p:cNvPr id="4" name="Picture 3"/>
+          <p:cNvPr id="5" name="Picture 4">
+            <a:extLst>
+              <a:ext uri="{FF2B5EF4-FFF2-40B4-BE49-F238E27FC236}">
+                <a16:creationId xmlns:a16="http://schemas.microsoft.com/office/drawing/2014/main" id="{10140473-44D1-D1C1-6B02-CEE1839E84EF}"/>
+              </a:ext>
+            </a:extLst>
+          </p:cNvPr>
           <p:cNvPicPr>
             <a:picLocks noChangeAspect="1"/>
           </p:cNvPicPr>
           <p:nvPr/>
         </p:nvPicPr>
-        <p:blipFill rotWithShape="1">
-          <a:blip r:embed="rId3"/>
-          <a:srcRect r="67347"/>
-          <a:stretch/>
+        <p:blipFill>
+          <a:blip r:embed="rId2"/>
+          <a:stretch>
+            <a:fillRect/>
+          </a:stretch>
         </p:blipFill>
         <p:spPr>
           <a:xfrm>
-            <a:off x="8153400" y="914401"/>
-            <a:ext cx="2114550" cy="2631173"/>
+            <a:off x="838200" y="1690688"/>
+            <a:ext cx="3941657" cy="2122431"/>
+          </a:xfrm>
+          <a:prstGeom prst="rect">
+            <a:avLst/>
+          </a:prstGeom>
+        </p:spPr>
+      </p:pic>
+      <p:pic>
+        <p:nvPicPr>
+          <p:cNvPr id="7" name="Picture 6">
+            <a:extLst>
+              <a:ext uri="{FF2B5EF4-FFF2-40B4-BE49-F238E27FC236}">
+                <a16:creationId xmlns:a16="http://schemas.microsoft.com/office/drawing/2014/main" id="{EEA0DD62-CD40-1109-29D9-ED5322A5DAAA}"/>
+              </a:ext>
+            </a:extLst>
+          </p:cNvPr>
+          <p:cNvPicPr>
+            <a:picLocks noChangeAspect="1"/>
+          </p:cNvPicPr>
+          <p:nvPr/>
+        </p:nvPicPr>
+        <p:blipFill>
+          <a:blip r:embed="rId3"/>
+          <a:stretch>
+            <a:fillRect/>
+          </a:stretch>
+        </p:blipFill>
+        <p:spPr>
+          <a:xfrm>
+            <a:off x="4967441" y="3635498"/>
+            <a:ext cx="6198775" cy="1883173"/>
           </a:xfrm>
           <a:prstGeom prst="rect">
             <a:avLst/>
@@ -11099,7 +11559,7 @@
     </p:spTree>
     <p:extLst>
       <p:ext uri="{BB962C8B-B14F-4D97-AF65-F5344CB8AC3E}">
-        <p14:creationId xmlns:p14="http://schemas.microsoft.com/office/powerpoint/2010/main" val="2685179240"/>
+        <p14:creationId xmlns:p14="http://schemas.microsoft.com/office/powerpoint/2010/main" val="2397446194"/>
       </p:ext>
     </p:extLst>
   </p:cSld>
